--- a/storyboard.pptx
+++ b/storyboard.pptx
@@ -2,9 +2,9 @@
 <file path=ppt/presentation.xml><?xml version="1.0" encoding="utf-8"?>
 <p:presentation xmlns:r="http://schemas.openxmlformats.org/officeDocument/2006/relationships" xmlns:c="http://schemas.openxmlformats.org/drawingml/2006/chart" xmlns:a="http://schemas.openxmlformats.org/drawingml/2006/main" xmlns:dgm="http://schemas.openxmlformats.org/drawingml/2006/diagram" xmlns:dsp="http://schemas.microsoft.com/office/drawing/2008/diagram" xmlns:p="http://schemas.openxmlformats.org/presentationml/2006/main">
   <p:sldMasterIdLst>
-    <p:sldMasterId id="2147483720" r:id="rId1"/>
-    <p:sldMasterId id="2147483721" r:id="rId2"/>
-    <p:sldMasterId id="2147483722" r:id="rId3"/>
+    <p:sldMasterId id="2147483717" r:id="rId1"/>
+    <p:sldMasterId id="2147483718" r:id="rId2"/>
+    <p:sldMasterId id="2147483719" r:id="rId3"/>
   </p:sldMasterIdLst>
   <p:notesMasterIdLst>
     <p:notesMasterId r:id="rId4"/>
@@ -225,7 +225,7 @@
               <a:pPr lvl="0">
                 <a:defRPr/>
               </a:pPr>
-              <a:t>2022-11-09</a:t>
+              <a:t>2022-11-20</a:t>
             </a:fld>
             <a:endParaRPr lang="ko-KR" altLang="en-US"/>
           </a:p>
@@ -411,7 +411,7 @@
               <a:pPr lvl="0">
                 <a:defRPr/>
               </a:pPr>
-              <a:t>2022-11-09</a:t>
+              <a:t>2022-11-20</a:t>
             </a:fld>
             <a:endParaRPr lang="ko-KR" altLang="en-US"/>
           </a:p>
@@ -4185,7 +4185,7 @@
             </a:pPr>
             <a:r>
               <a:rPr lang="en-US" altLang="ko-KR"/>
-              <a:t>buildingkid</a:t>
+              <a:t>Mayo</a:t>
             </a:r>
             <a:endParaRPr lang="en-US" altLang="ko-KR"/>
           </a:p>
@@ -4286,10 +4286,10 @@
               <a:defRPr/>
             </a:pPr>
             <a:r>
-              <a:rPr lang="ko-KR" altLang="en-US"/>
-              <a:t>아니유</a:t>
+              <a:rPr lang="en-US" altLang="ko-KR"/>
+              <a:t>seed</a:t>
             </a:r>
-            <a:endParaRPr lang="ko-KR" altLang="en-US"/>
+            <a:endParaRPr lang="en-US" altLang="ko-KR"/>
           </a:p>
         </p:txBody>
       </p:sp>
@@ -4322,6 +4322,38 @@
             <a:r>
               <a:rPr lang="ko-KR" altLang="en-US" sz="900"/>
               <a:t>유요한</a:t>
+            </a:r>
+            <a:r>
+              <a:rPr lang="en-US" altLang="ko-KR" sz="900"/>
+              <a:t>, </a:t>
+            </a:r>
+            <a:r>
+              <a:rPr lang="ko-KR" altLang="en-US" sz="900"/>
+              <a:t>박우현</a:t>
+            </a:r>
+            <a:r>
+              <a:rPr lang="en-US" altLang="ko-KR" sz="900"/>
+              <a:t>,</a:t>
+            </a:r>
+            <a:r>
+              <a:rPr lang="ko-KR" altLang="en-US" sz="900"/>
+              <a:t> 이세인</a:t>
+            </a:r>
+            <a:r>
+              <a:rPr lang="en-US" altLang="ko-KR" sz="900"/>
+              <a:t>,</a:t>
+            </a:r>
+            <a:r>
+              <a:rPr lang="ko-KR" altLang="en-US" sz="900"/>
+              <a:t> 이유진</a:t>
+            </a:r>
+            <a:r>
+              <a:rPr lang="en-US" altLang="ko-KR" sz="900"/>
+              <a:t>,</a:t>
+            </a:r>
+            <a:r>
+              <a:rPr lang="ko-KR" altLang="en-US" sz="900"/>
+              <a:t> 황순욱</a:t>
             </a:r>
             <a:endParaRPr lang="ko-KR" altLang="en-US" sz="900"/>
           </a:p>
@@ -6907,33 +6939,6 @@
           <a:chExt cx="0" cy="0"/>
         </a:xfrm>
       </p:grpSpPr>
-      <p:pic>
-        <p:nvPicPr>
-          <p:cNvPr id="74" name=""/>
-          <p:cNvPicPr/>
-          <p:nvPr/>
-        </p:nvPicPr>
-        <p:blipFill rotWithShape="1">
-          <a:blip r:embed="rId2"/>
-          <a:stretch>
-            <a:fillRect/>
-          </a:stretch>
-        </p:blipFill>
-        <p:spPr>
-          <a:xfrm>
-            <a:off x="395420" y="483460"/>
-            <a:ext cx="6336880" cy="4428553"/>
-          </a:xfrm>
-          <a:prstGeom prst="rect">
-            <a:avLst/>
-          </a:prstGeom>
-          <a:ln>
-            <a:solidFill>
-              <a:schemeClr val="dk1"/>
-            </a:solidFill>
-          </a:ln>
-        </p:spPr>
-      </p:pic>
       <p:sp>
         <p:nvSpPr>
           <p:cNvPr id="2" name="텍스트 개체 틀 1"/>
@@ -7358,33 +7363,6 @@
           <a:chExt cx="0" cy="0"/>
         </a:xfrm>
       </p:grpSpPr>
-      <p:pic>
-        <p:nvPicPr>
-          <p:cNvPr id="76" name=""/>
-          <p:cNvPicPr/>
-          <p:nvPr/>
-        </p:nvPicPr>
-        <p:blipFill rotWithShape="1">
-          <a:blip r:embed="rId2"/>
-          <a:stretch>
-            <a:fillRect/>
-          </a:stretch>
-        </p:blipFill>
-        <p:spPr>
-          <a:xfrm>
-            <a:off x="401056" y="472040"/>
-            <a:ext cx="6336880" cy="4428553"/>
-          </a:xfrm>
-          <a:prstGeom prst="rect">
-            <a:avLst/>
-          </a:prstGeom>
-          <a:ln>
-            <a:solidFill>
-              <a:schemeClr val="dk1"/>
-            </a:solidFill>
-          </a:ln>
-        </p:spPr>
-      </p:pic>
       <p:sp>
         <p:nvSpPr>
           <p:cNvPr id="2" name="텍스트 개체 틀 1"/>
@@ -7405,705 +7383,8 @@
               <a:defRPr/>
             </a:pPr>
             <a:r>
-              <a:rPr lang="en-US" altLang="ko-KR"/>
-              <a:t>①</a:t>
-            </a:r>
-            <a:r>
               <a:rPr lang="ko-KR" altLang="en-US"/>
-              <a:t> 검색 창</a:t>
-            </a:r>
-            <a:endParaRPr lang="ko-KR" altLang="en-US"/>
-          </a:p>
-          <a:p>
-            <a:pPr marL="0" lvl="0" indent="0">
-              <a:buNone/>
-              <a:defRPr/>
-            </a:pPr>
-            <a:r>
-              <a:rPr lang="ko-KR" altLang="en-US"/>
-              <a:t>  </a:t>
-            </a:r>
-            <a:r>
-              <a:rPr lang="en-US" altLang="ko-KR"/>
-              <a:t>-</a:t>
-            </a:r>
-            <a:r>
-              <a:rPr lang="ko-KR" altLang="en-US"/>
-              <a:t> 검색 창에 장소</a:t>
-            </a:r>
-            <a:r>
-              <a:rPr lang="en-US" altLang="ko-KR"/>
-              <a:t>,</a:t>
-            </a:r>
-            <a:r>
-              <a:rPr lang="ko-KR" altLang="en-US"/>
-              <a:t> 지명</a:t>
-            </a:r>
-            <a:r>
-              <a:rPr lang="en-US" altLang="ko-KR"/>
-              <a:t>,</a:t>
-            </a:r>
-            <a:r>
-              <a:rPr lang="ko-KR" altLang="en-US"/>
-              <a:t> 업체명을 작성하면 </a:t>
-            </a:r>
-            <a:endParaRPr lang="ko-KR" altLang="en-US"/>
-          </a:p>
-          <a:p>
-            <a:pPr marL="0" lvl="0" indent="0">
-              <a:buNone/>
-              <a:defRPr/>
-            </a:pPr>
-            <a:r>
-              <a:rPr lang="ko-KR" altLang="en-US"/>
-              <a:t>    해당 위치로 이동</a:t>
-            </a:r>
-            <a:endParaRPr lang="ko-KR" altLang="en-US"/>
-          </a:p>
-          <a:p>
-            <a:pPr marL="0" lvl="0" indent="0">
-              <a:buNone/>
-              <a:defRPr/>
-            </a:pPr>
-            <a:r>
-              <a:rPr lang="en-US" altLang="ko-KR"/>
-              <a:t>② </a:t>
-            </a:r>
-            <a:r>
-              <a:rPr lang="ko-KR" altLang="en-US"/>
-              <a:t>필터 옵션 설정하기</a:t>
-            </a:r>
-            <a:endParaRPr lang="ko-KR" altLang="en-US"/>
-          </a:p>
-          <a:p>
-            <a:pPr marL="0" lvl="0" indent="0">
-              <a:buNone/>
-              <a:defRPr/>
-            </a:pPr>
-            <a:r>
-              <a:rPr lang="ko-KR" altLang="en-US"/>
-              <a:t> </a:t>
-            </a:r>
-            <a:r>
-              <a:rPr lang="en-US" altLang="ko-KR"/>
-              <a:t>-</a:t>
-            </a:r>
-            <a:r>
-              <a:rPr lang="ko-KR" altLang="en-US"/>
-              <a:t> 지적편집도</a:t>
-            </a:r>
-            <a:r>
-              <a:rPr lang="en-US" altLang="ko-KR"/>
-              <a:t>,</a:t>
-            </a:r>
-            <a:r>
-              <a:rPr lang="ko-KR" altLang="en-US"/>
-              <a:t> 지형정보</a:t>
-            </a:r>
-            <a:r>
-              <a:rPr lang="en-US" altLang="ko-KR"/>
-              <a:t>,</a:t>
-            </a:r>
-            <a:r>
-              <a:rPr lang="ko-KR" altLang="en-US"/>
-              <a:t> 교통정보</a:t>
-            </a:r>
-            <a:r>
-              <a:rPr lang="en-US" altLang="ko-KR"/>
-              <a:t>,</a:t>
-            </a:r>
-            <a:r>
-              <a:rPr lang="ko-KR" altLang="en-US"/>
-              <a:t> 자전거도로</a:t>
-            </a:r>
-            <a:endParaRPr lang="ko-KR" altLang="en-US"/>
-          </a:p>
-          <a:p>
-            <a:pPr marL="0" lvl="0" indent="0">
-              <a:buNone/>
-              <a:defRPr/>
-            </a:pPr>
-            <a:r>
-              <a:rPr lang="ko-KR" altLang="en-US"/>
-              <a:t>   정보 보기</a:t>
-            </a:r>
-            <a:endParaRPr lang="ko-KR" altLang="en-US"/>
-          </a:p>
-          <a:p>
-            <a:pPr marL="0" lvl="0" indent="0">
-              <a:buNone/>
-              <a:defRPr/>
-            </a:pPr>
-            <a:r>
-              <a:rPr lang="ko-KR" altLang="en-US"/>
-              <a:t> </a:t>
-            </a:r>
-            <a:r>
-              <a:rPr lang="en-US" altLang="ko-KR"/>
-              <a:t>-</a:t>
-            </a:r>
-            <a:r>
-              <a:rPr lang="ko-KR" altLang="en-US"/>
-              <a:t> 각 체크박스를 누르면 해당되는 지도 옵션으로 </a:t>
-            </a:r>
-            <a:endParaRPr lang="ko-KR" altLang="en-US"/>
-          </a:p>
-          <a:p>
-            <a:pPr marL="0" lvl="0" indent="0">
-              <a:buNone/>
-              <a:defRPr/>
-            </a:pPr>
-            <a:r>
-              <a:rPr lang="ko-KR" altLang="en-US"/>
-              <a:t>   설정되어 적용되 보임</a:t>
-            </a:r>
-            <a:endParaRPr lang="ko-KR" altLang="en-US"/>
-          </a:p>
-          <a:p>
-            <a:pPr marL="0" lvl="0" indent="0">
-              <a:buNone/>
-              <a:defRPr/>
-            </a:pPr>
-            <a:r>
-              <a:rPr lang="ko-KR" altLang="en-US"/>
-              <a:t>③ 메뉴 버튼</a:t>
-            </a:r>
-            <a:endParaRPr lang="ko-KR" altLang="en-US"/>
-          </a:p>
-          <a:p>
-            <a:pPr marL="0" lvl="0" indent="0">
-              <a:buNone/>
-              <a:defRPr/>
-            </a:pPr>
-            <a:r>
-              <a:rPr lang="ko-KR" altLang="en-US"/>
-              <a:t> </a:t>
-            </a:r>
-            <a:r>
-              <a:rPr lang="en-US" altLang="ko-KR"/>
-              <a:t>-</a:t>
-            </a:r>
-            <a:r>
-              <a:rPr lang="ko-KR" altLang="en-US"/>
-              <a:t> 클릭 시 사이드 메뉴가 나타남</a:t>
-            </a:r>
-            <a:endParaRPr lang="ko-KR" altLang="en-US"/>
-          </a:p>
-          <a:p>
-            <a:pPr marL="0" lvl="0" indent="0">
-              <a:buNone/>
-              <a:defRPr/>
-            </a:pPr>
-            <a:endParaRPr lang="ko-KR" altLang="en-US"/>
-          </a:p>
-          <a:p>
-            <a:pPr lvl="0">
-              <a:defRPr/>
-            </a:pPr>
-            <a:endParaRPr lang="ko-KR" altLang="en-US"/>
-          </a:p>
-        </p:txBody>
-      </p:sp>
-      <p:sp>
-        <p:nvSpPr>
-          <p:cNvPr id="3" name="제목 2"/>
-          <p:cNvSpPr>
-            <a:spLocks noGrp="1"/>
-          </p:cNvSpPr>
-          <p:nvPr>
-            <p:ph type="title" idx="0"/>
-          </p:nvPr>
-        </p:nvSpPr>
-        <p:spPr>
-          <a:xfrm>
-            <a:off x="582930" y="18821"/>
-            <a:ext cx="5400600" cy="292075"/>
-          </a:xfrm>
-        </p:spPr>
-        <p:txBody>
-          <a:bodyPr/>
-          <a:lstStyle/>
-          <a:p>
-            <a:pPr lvl="0">
-              <a:defRPr/>
-            </a:pPr>
-            <a:r>
-              <a:rPr lang="ko-KR" altLang="en-US"/>
-              <a:t> </a:t>
-            </a:r>
-            <a:r>
-              <a:rPr lang="en-US" altLang="ko-KR"/>
-              <a:t>INDEX</a:t>
-            </a:r>
-            <a:endParaRPr lang="en-US" altLang="ko-KR"/>
-          </a:p>
-        </p:txBody>
-      </p:sp>
-      <p:sp>
-        <p:nvSpPr>
-          <p:cNvPr id="4" name="텍스트 개체 틀 3"/>
-          <p:cNvSpPr>
-            <a:spLocks noGrp="1"/>
-          </p:cNvSpPr>
-          <p:nvPr>
-            <p:ph type="body" sz="quarter" idx="11"/>
-          </p:nvPr>
-        </p:nvSpPr>
-        <p:spPr>
-          <a:xfrm>
-            <a:off x="395478" y="12700"/>
-            <a:ext cx="1007790" cy="287486"/>
-          </a:xfrm>
-        </p:spPr>
-        <p:txBody>
-          <a:bodyPr/>
-          <a:lstStyle/>
-          <a:p>
-            <a:pPr lvl="0">
-              <a:defRPr/>
-            </a:pPr>
-            <a:r>
-              <a:rPr lang="en-US" altLang="ko-KR">
-                <a:solidFill>
-                  <a:schemeClr val="dk1"/>
-                </a:solidFill>
-              </a:rPr>
-              <a:t>4.3.1</a:t>
-            </a:r>
-            <a:r>
-              <a:rPr lang="ko-KR" altLang="en-US">
-                <a:solidFill>
-                  <a:schemeClr val="dk1"/>
-                </a:solidFill>
-              </a:rPr>
-              <a:t> </a:t>
-            </a:r>
-            <a:endParaRPr lang="ko-KR" altLang="en-US">
-              <a:solidFill>
-                <a:schemeClr val="dk1"/>
-              </a:solidFill>
-            </a:endParaRPr>
-          </a:p>
-        </p:txBody>
-      </p:sp>
-      <p:sp>
-        <p:nvSpPr>
-          <p:cNvPr id="50" name="모서리가 둥근 직사각형 47"/>
-          <p:cNvSpPr/>
-          <p:nvPr/>
-        </p:nvSpPr>
-        <p:spPr>
-          <a:xfrm>
-            <a:off x="395426" y="555476"/>
-            <a:ext cx="216024" cy="216024"/>
-          </a:xfrm>
-          <a:prstGeom prst="roundRect">
-            <a:avLst>
-              <a:gd name="adj" fmla="val 16667"/>
-            </a:avLst>
-          </a:prstGeom>
-          <a:solidFill>
-            <a:srgbClr val="2b96ed"/>
-          </a:solidFill>
-          <a:ln>
-            <a:noFill/>
-          </a:ln>
-        </p:spPr>
-        <p:style>
-          <a:lnRef idx="2">
-            <a:schemeClr val="accent1">
-              <a:shade val="50000"/>
-            </a:schemeClr>
-          </a:lnRef>
-          <a:fillRef idx="1">
-            <a:schemeClr val="accent1"/>
-          </a:fillRef>
-          <a:effectRef idx="0">
-            <a:schemeClr val="accent1"/>
-          </a:effectRef>
-          <a:fontRef idx="minor">
-            <a:schemeClr val="lt1"/>
-          </a:fontRef>
-        </p:style>
-        <p:txBody>
-          <a:bodyPr lIns="0" rIns="0" anchor="ctr"/>
-          <a:lstStyle/>
-          <a:p>
-            <a:pPr algn="ctr">
-              <a:defRPr/>
-            </a:pPr>
-            <a:r>
-              <a:rPr lang="en-US" altLang="ko-KR" sz="1050" b="1"/>
-              <a:t>1</a:t>
-            </a:r>
-            <a:endParaRPr lang="ko-KR" altLang="en-US" sz="1050" b="1"/>
-          </a:p>
-        </p:txBody>
-      </p:sp>
-      <p:sp>
-        <p:nvSpPr>
-          <p:cNvPr id="51" name="모서리가 둥근 직사각형 47"/>
-          <p:cNvSpPr/>
-          <p:nvPr/>
-        </p:nvSpPr>
-        <p:spPr>
-          <a:xfrm>
-            <a:off x="6300240" y="627480"/>
-            <a:ext cx="216024" cy="216024"/>
-          </a:xfrm>
-          <a:prstGeom prst="roundRect">
-            <a:avLst>
-              <a:gd name="adj" fmla="val 16667"/>
-            </a:avLst>
-          </a:prstGeom>
-          <a:solidFill>
-            <a:srgbClr val="2b96ed"/>
-          </a:solidFill>
-          <a:ln>
-            <a:noFill/>
-          </a:ln>
-        </p:spPr>
-        <p:style>
-          <a:lnRef idx="2">
-            <a:schemeClr val="accent1">
-              <a:shade val="50000"/>
-            </a:schemeClr>
-          </a:lnRef>
-          <a:fillRef idx="1">
-            <a:schemeClr val="accent1"/>
-          </a:fillRef>
-          <a:effectRef idx="0">
-            <a:schemeClr val="accent1"/>
-          </a:effectRef>
-          <a:fontRef idx="minor">
-            <a:schemeClr val="lt1"/>
-          </a:fontRef>
-        </p:style>
-        <p:txBody>
-          <a:bodyPr lIns="0" rIns="0" anchor="ctr"/>
-          <a:lstStyle/>
-          <a:p>
-            <a:pPr algn="ctr">
-              <a:defRPr/>
-            </a:pPr>
-            <a:r>
-              <a:rPr lang="en-US" altLang="ko-KR" sz="1050" b="1"/>
-              <a:t>3</a:t>
-            </a:r>
-            <a:endParaRPr lang="en-US" altLang="ko-KR" sz="1050" b="1"/>
-          </a:p>
-        </p:txBody>
-      </p:sp>
-      <p:sp>
-        <p:nvSpPr>
-          <p:cNvPr id="48" name="모서리가 둥근 직사각형 47"/>
-          <p:cNvSpPr/>
-          <p:nvPr/>
-        </p:nvSpPr>
-        <p:spPr>
-          <a:xfrm>
-            <a:off x="395420" y="987530"/>
-            <a:ext cx="216024" cy="216024"/>
-          </a:xfrm>
-          <a:prstGeom prst="roundRect">
-            <a:avLst>
-              <a:gd name="adj" fmla="val 16667"/>
-            </a:avLst>
-          </a:prstGeom>
-          <a:solidFill>
-            <a:srgbClr val="2b96ed"/>
-          </a:solidFill>
-          <a:ln>
-            <a:noFill/>
-          </a:ln>
-        </p:spPr>
-        <p:style>
-          <a:lnRef idx="2">
-            <a:schemeClr val="accent1">
-              <a:shade val="50000"/>
-            </a:schemeClr>
-          </a:lnRef>
-          <a:fillRef idx="1">
-            <a:schemeClr val="accent1"/>
-          </a:fillRef>
-          <a:effectRef idx="0">
-            <a:schemeClr val="accent1"/>
-          </a:effectRef>
-          <a:fontRef idx="minor">
-            <a:schemeClr val="lt1"/>
-          </a:fontRef>
-        </p:style>
-        <p:txBody>
-          <a:bodyPr lIns="0" rIns="0" anchor="ctr"/>
-          <a:lstStyle/>
-          <a:p>
-            <a:pPr algn="ctr">
-              <a:defRPr/>
-            </a:pPr>
-            <a:r>
-              <a:rPr lang="en-US" altLang="ko-KR" sz="1050" b="1"/>
-              <a:t>2</a:t>
-            </a:r>
-            <a:endParaRPr lang="en-US" altLang="ko-KR" sz="1050" b="1"/>
-          </a:p>
-        </p:txBody>
-      </p:sp>
-    </p:spTree>
-  </p:cSld>
-  <p:clrMapOvr>
-    <a:masterClrMapping/>
-  </p:clrMapOvr>
-  <mc:AlternateContent xmlns:mc="http://schemas.openxmlformats.org/markup-compatibility/2006">
-    <mc:Choice xmlns:p14="http://schemas.microsoft.com/office/powerpoint/2010/main" Requires="p14">
-      <p:transition xmlns:mc="http://schemas.openxmlformats.org/markup-compatibility/2006" xmlns:p14="http://schemas.microsoft.com/office/powerpoint/2010/main" mc:Ignorable="p14" p14:dur="500"/>
-    </mc:Choice>
-    <mc:Fallback>
-      <p:transition/>
-    </mc:Fallback>
-  </mc:AlternateContent>
-</p:sld>
-</file>
-
-<file path=ppt/slides/slide14.xml><?xml version="1.0" encoding="utf-8"?>
-<p:sld xmlns:r="http://schemas.openxmlformats.org/officeDocument/2006/relationships" xmlns:c="http://schemas.openxmlformats.org/drawingml/2006/chart" xmlns:a="http://schemas.openxmlformats.org/drawingml/2006/main" xmlns:dgm="http://schemas.openxmlformats.org/drawingml/2006/diagram" xmlns:dsp="http://schemas.microsoft.com/office/drawing/2008/diagram" xmlns:p="http://schemas.openxmlformats.org/presentationml/2006/main">
-  <p:cSld>
-    <p:spTree>
-      <p:nvGrpSpPr>
-        <p:cNvPr id="1" name=""/>
-        <p:cNvGrpSpPr/>
-        <p:nvPr/>
-      </p:nvGrpSpPr>
-      <p:grpSpPr>
-        <a:xfrm>
-          <a:off x="0" y="0"/>
-          <a:ext cx="0" cy="0"/>
-          <a:chOff x="0" y="0"/>
-          <a:chExt cx="0" cy="0"/>
-        </a:xfrm>
-      </p:grpSpPr>
-      <p:pic>
-        <p:nvPicPr>
-          <p:cNvPr id="77" name=""/>
-          <p:cNvPicPr/>
-          <p:nvPr/>
-        </p:nvPicPr>
-        <p:blipFill rotWithShape="1">
-          <a:blip r:embed="rId2"/>
-          <a:stretch>
-            <a:fillRect/>
-          </a:stretch>
-        </p:blipFill>
-        <p:spPr>
-          <a:xfrm>
-            <a:off x="389784" y="469726"/>
-            <a:ext cx="6336880" cy="4428553"/>
-          </a:xfrm>
-          <a:prstGeom prst="rect">
-            <a:avLst/>
-          </a:prstGeom>
-          <a:ln>
-            <a:solidFill>
-              <a:schemeClr val="dk1"/>
-            </a:solidFill>
-          </a:ln>
-        </p:spPr>
-      </p:pic>
-      <p:sp>
-        <p:nvSpPr>
-          <p:cNvPr id="2" name="텍스트 개체 틀 1"/>
-          <p:cNvSpPr>
-            <a:spLocks noGrp="1"/>
-          </p:cNvSpPr>
-          <p:nvPr>
-            <p:ph type="body" sz="quarter" idx="10"/>
-          </p:nvPr>
-        </p:nvSpPr>
-        <p:spPr/>
-        <p:txBody>
-          <a:bodyPr/>
-          <a:lstStyle/>
-          <a:p>
-            <a:pPr marL="0" lvl="0" indent="0">
-              <a:buNone/>
-              <a:defRPr/>
-            </a:pPr>
-            <a:r>
-              <a:rPr lang="en-US" altLang="ko-KR"/>
-              <a:t>①</a:t>
-            </a:r>
-            <a:r>
-              <a:rPr lang="ko-KR" altLang="en-US"/>
-              <a:t> 검색 창</a:t>
-            </a:r>
-            <a:endParaRPr lang="ko-KR" altLang="en-US"/>
-          </a:p>
-          <a:p>
-            <a:pPr marL="0" lvl="0" indent="0">
-              <a:buNone/>
-              <a:defRPr/>
-            </a:pPr>
-            <a:r>
-              <a:rPr lang="ko-KR" altLang="en-US"/>
-              <a:t>  </a:t>
-            </a:r>
-            <a:r>
-              <a:rPr lang="en-US" altLang="ko-KR"/>
-              <a:t>-</a:t>
-            </a:r>
-            <a:r>
-              <a:rPr lang="ko-KR" altLang="en-US"/>
-              <a:t> 검색 창에 장소</a:t>
-            </a:r>
-            <a:r>
-              <a:rPr lang="en-US" altLang="ko-KR"/>
-              <a:t>,</a:t>
-            </a:r>
-            <a:r>
-              <a:rPr lang="ko-KR" altLang="en-US"/>
-              <a:t> 지명</a:t>
-            </a:r>
-            <a:r>
-              <a:rPr lang="en-US" altLang="ko-KR"/>
-              <a:t>,</a:t>
-            </a:r>
-            <a:r>
-              <a:rPr lang="ko-KR" altLang="en-US"/>
-              <a:t> 업체명을 작성하면 </a:t>
-            </a:r>
-            <a:endParaRPr lang="ko-KR" altLang="en-US"/>
-          </a:p>
-          <a:p>
-            <a:pPr marL="0" lvl="0" indent="0">
-              <a:buNone/>
-              <a:defRPr/>
-            </a:pPr>
-            <a:r>
-              <a:rPr lang="ko-KR" altLang="en-US"/>
-              <a:t>    해당 위치로 이동</a:t>
-            </a:r>
-            <a:endParaRPr lang="ko-KR" altLang="en-US"/>
-          </a:p>
-          <a:p>
-            <a:pPr marL="0" lvl="0" indent="0">
-              <a:buNone/>
-              <a:defRPr/>
-            </a:pPr>
-            <a:r>
-              <a:rPr lang="en-US" altLang="ko-KR"/>
-              <a:t>② </a:t>
-            </a:r>
-            <a:r>
-              <a:rPr lang="ko-KR" altLang="en-US"/>
-              <a:t>필터 옵션 설정하기</a:t>
-            </a:r>
-            <a:endParaRPr lang="ko-KR" altLang="en-US"/>
-          </a:p>
-          <a:p>
-            <a:pPr marL="0" lvl="0" indent="0">
-              <a:buNone/>
-              <a:defRPr/>
-            </a:pPr>
-            <a:r>
-              <a:rPr lang="ko-KR" altLang="en-US"/>
-              <a:t> </a:t>
-            </a:r>
-            <a:r>
-              <a:rPr lang="en-US" altLang="ko-KR"/>
-              <a:t>-</a:t>
-            </a:r>
-            <a:r>
-              <a:rPr lang="ko-KR" altLang="en-US"/>
-              <a:t> 누르면 필터옵션이 나타남</a:t>
-            </a:r>
-            <a:endParaRPr lang="ko-KR" altLang="en-US"/>
-          </a:p>
-          <a:p>
-            <a:pPr marL="0" lvl="0" indent="0">
-              <a:buNone/>
-              <a:defRPr/>
-            </a:pPr>
-            <a:r>
-              <a:rPr lang="ko-KR" altLang="en-US"/>
-              <a:t>③ 닫기버튼</a:t>
-            </a:r>
-            <a:endParaRPr lang="ko-KR" altLang="en-US"/>
-          </a:p>
-          <a:p>
-            <a:pPr marL="0" lvl="0" indent="0">
-              <a:buNone/>
-              <a:defRPr/>
-            </a:pPr>
-            <a:r>
-              <a:rPr lang="ko-KR" altLang="en-US"/>
-              <a:t> </a:t>
-            </a:r>
-            <a:r>
-              <a:rPr lang="en-US" altLang="ko-KR"/>
-              <a:t>-</a:t>
-            </a:r>
-            <a:r>
-              <a:rPr lang="ko-KR" altLang="en-US"/>
-              <a:t> 클릭 시 사이드메뉴가 우측으로 사라짐</a:t>
-            </a:r>
-            <a:endParaRPr lang="ko-KR" altLang="en-US"/>
-          </a:p>
-          <a:p>
-            <a:pPr marL="0" lvl="0" indent="0">
-              <a:buNone/>
-              <a:defRPr/>
-            </a:pPr>
-            <a:r>
-              <a:rPr lang="ko-KR" altLang="en-US"/>
-              <a:t>④ 로그인 버튼</a:t>
-            </a:r>
-            <a:endParaRPr lang="ko-KR" altLang="en-US"/>
-          </a:p>
-          <a:p>
-            <a:pPr marL="0" lvl="0" indent="0">
-              <a:buNone/>
-              <a:defRPr/>
-            </a:pPr>
-            <a:r>
-              <a:rPr lang="ko-KR" altLang="en-US"/>
-              <a:t> </a:t>
-            </a:r>
-            <a:r>
-              <a:rPr lang="en-US" altLang="ko-KR"/>
-              <a:t>-</a:t>
-            </a:r>
-            <a:r>
-              <a:rPr lang="ko-KR" altLang="en-US"/>
-              <a:t> 클릭 시 로그인 페이지로 이동함</a:t>
-            </a:r>
-            <a:endParaRPr lang="ko-KR" altLang="en-US"/>
-          </a:p>
-          <a:p>
-            <a:pPr marL="0" lvl="0" indent="0">
-              <a:buNone/>
-              <a:defRPr/>
-            </a:pPr>
-            <a:r>
-              <a:rPr lang="ko-KR" altLang="en-US"/>
-              <a:t>⑤ 회원가입 버튼</a:t>
-            </a:r>
-            <a:endParaRPr lang="ko-KR" altLang="en-US"/>
-          </a:p>
-          <a:p>
-            <a:pPr marL="0" lvl="0" indent="0">
-              <a:buNone/>
-              <a:defRPr/>
-            </a:pPr>
-            <a:r>
-              <a:rPr lang="ko-KR" altLang="en-US"/>
-              <a:t> </a:t>
-            </a:r>
-            <a:r>
-              <a:rPr lang="en-US" altLang="ko-KR"/>
-              <a:t>-</a:t>
-            </a:r>
-            <a:r>
-              <a:rPr lang="ko-KR" altLang="en-US"/>
-              <a:t> 클릭 시 회원가입 페이지로 이동함</a:t>
+              <a:t/>
             </a:r>
             <a:endParaRPr lang="ko-KR" altLang="en-US"/>
           </a:p>
@@ -8353,6 +7634,310 @@
           </a:p>
         </p:txBody>
       </p:sp>
+    </p:spTree>
+  </p:cSld>
+  <p:clrMapOvr>
+    <a:masterClrMapping/>
+  </p:clrMapOvr>
+  <mc:AlternateContent xmlns:mc="http://schemas.openxmlformats.org/markup-compatibility/2006">
+    <mc:Choice xmlns:p14="http://schemas.microsoft.com/office/powerpoint/2010/main" Requires="p14">
+      <p:transition xmlns:mc="http://schemas.openxmlformats.org/markup-compatibility/2006" xmlns:p14="http://schemas.microsoft.com/office/powerpoint/2010/main" mc:Ignorable="p14" p14:dur="500"/>
+    </mc:Choice>
+    <mc:Fallback>
+      <p:transition/>
+    </mc:Fallback>
+  </mc:AlternateContent>
+</p:sld>
+</file>
+
+<file path=ppt/slides/slide14.xml><?xml version="1.0" encoding="utf-8"?>
+<p:sld xmlns:r="http://schemas.openxmlformats.org/officeDocument/2006/relationships" xmlns:c="http://schemas.openxmlformats.org/drawingml/2006/chart" xmlns:a="http://schemas.openxmlformats.org/drawingml/2006/main" xmlns:dgm="http://schemas.openxmlformats.org/drawingml/2006/diagram" xmlns:dsp="http://schemas.microsoft.com/office/drawing/2008/diagram" xmlns:p="http://schemas.openxmlformats.org/presentationml/2006/main">
+  <p:cSld>
+    <p:spTree>
+      <p:nvGrpSpPr>
+        <p:cNvPr id="1" name=""/>
+        <p:cNvGrpSpPr/>
+        <p:nvPr/>
+      </p:nvGrpSpPr>
+      <p:grpSpPr>
+        <a:xfrm>
+          <a:off x="0" y="0"/>
+          <a:ext cx="0" cy="0"/>
+          <a:chOff x="0" y="0"/>
+          <a:chExt cx="0" cy="0"/>
+        </a:xfrm>
+      </p:grpSpPr>
+      <p:sp>
+        <p:nvSpPr>
+          <p:cNvPr id="2" name="텍스트 개체 틀 1"/>
+          <p:cNvSpPr>
+            <a:spLocks noGrp="1"/>
+          </p:cNvSpPr>
+          <p:nvPr>
+            <p:ph type="body" sz="quarter" idx="10"/>
+          </p:nvPr>
+        </p:nvSpPr>
+        <p:spPr/>
+        <p:txBody>
+          <a:bodyPr/>
+          <a:lstStyle/>
+          <a:p>
+            <a:pPr marL="0" lvl="0" indent="0">
+              <a:buNone/>
+              <a:defRPr/>
+            </a:pPr>
+            <a:r>
+              <a:rPr lang="ko-KR" altLang="en-US"/>
+              <a:t/>
+            </a:r>
+            <a:endParaRPr lang="ko-KR" altLang="en-US"/>
+          </a:p>
+        </p:txBody>
+      </p:sp>
+      <p:sp>
+        <p:nvSpPr>
+          <p:cNvPr id="3" name="제목 2"/>
+          <p:cNvSpPr>
+            <a:spLocks noGrp="1"/>
+          </p:cNvSpPr>
+          <p:nvPr>
+            <p:ph type="title" idx="0"/>
+          </p:nvPr>
+        </p:nvSpPr>
+        <p:spPr>
+          <a:xfrm>
+            <a:off x="582930" y="18821"/>
+            <a:ext cx="5400600" cy="292075"/>
+          </a:xfrm>
+        </p:spPr>
+        <p:txBody>
+          <a:bodyPr/>
+          <a:lstStyle/>
+          <a:p>
+            <a:pPr lvl="0">
+              <a:defRPr/>
+            </a:pPr>
+            <a:r>
+              <a:rPr lang="ko-KR" altLang="en-US"/>
+              <a:t> </a:t>
+            </a:r>
+            <a:r>
+              <a:rPr lang="en-US" altLang="ko-KR"/>
+              <a:t>INDEX</a:t>
+            </a:r>
+            <a:endParaRPr lang="en-US" altLang="ko-KR"/>
+          </a:p>
+        </p:txBody>
+      </p:sp>
+      <p:sp>
+        <p:nvSpPr>
+          <p:cNvPr id="4" name="텍스트 개체 틀 3"/>
+          <p:cNvSpPr>
+            <a:spLocks noGrp="1"/>
+          </p:cNvSpPr>
+          <p:nvPr>
+            <p:ph type="body" sz="quarter" idx="11"/>
+          </p:nvPr>
+        </p:nvSpPr>
+        <p:spPr>
+          <a:xfrm>
+            <a:off x="395478" y="12700"/>
+            <a:ext cx="1007790" cy="287486"/>
+          </a:xfrm>
+        </p:spPr>
+        <p:txBody>
+          <a:bodyPr/>
+          <a:lstStyle/>
+          <a:p>
+            <a:pPr lvl="0">
+              <a:defRPr/>
+            </a:pPr>
+            <a:r>
+              <a:rPr lang="en-US" altLang="ko-KR">
+                <a:solidFill>
+                  <a:schemeClr val="dk1"/>
+                </a:solidFill>
+              </a:rPr>
+              <a:t>4.3.1</a:t>
+            </a:r>
+            <a:r>
+              <a:rPr lang="ko-KR" altLang="en-US">
+                <a:solidFill>
+                  <a:schemeClr val="dk1"/>
+                </a:solidFill>
+              </a:rPr>
+              <a:t> </a:t>
+            </a:r>
+            <a:endParaRPr lang="ko-KR" altLang="en-US">
+              <a:solidFill>
+                <a:schemeClr val="dk1"/>
+              </a:solidFill>
+            </a:endParaRPr>
+          </a:p>
+        </p:txBody>
+      </p:sp>
+      <p:sp>
+        <p:nvSpPr>
+          <p:cNvPr id="50" name="모서리가 둥근 직사각형 47"/>
+          <p:cNvSpPr/>
+          <p:nvPr/>
+        </p:nvSpPr>
+        <p:spPr>
+          <a:xfrm>
+            <a:off x="395426" y="555476"/>
+            <a:ext cx="216024" cy="216024"/>
+          </a:xfrm>
+          <a:prstGeom prst="roundRect">
+            <a:avLst>
+              <a:gd name="adj" fmla="val 16667"/>
+            </a:avLst>
+          </a:prstGeom>
+          <a:solidFill>
+            <a:srgbClr val="2b96ed"/>
+          </a:solidFill>
+          <a:ln>
+            <a:noFill/>
+          </a:ln>
+        </p:spPr>
+        <p:style>
+          <a:lnRef idx="2">
+            <a:schemeClr val="accent1">
+              <a:shade val="50000"/>
+            </a:schemeClr>
+          </a:lnRef>
+          <a:fillRef idx="1">
+            <a:schemeClr val="accent1"/>
+          </a:fillRef>
+          <a:effectRef idx="0">
+            <a:schemeClr val="accent1"/>
+          </a:effectRef>
+          <a:fontRef idx="minor">
+            <a:schemeClr val="lt1"/>
+          </a:fontRef>
+        </p:style>
+        <p:txBody>
+          <a:bodyPr lIns="0" rIns="0" anchor="ctr"/>
+          <a:lstStyle/>
+          <a:p>
+            <a:pPr algn="ctr">
+              <a:defRPr/>
+            </a:pPr>
+            <a:r>
+              <a:rPr lang="en-US" altLang="ko-KR" sz="1050" b="1"/>
+              <a:t>1</a:t>
+            </a:r>
+            <a:endParaRPr lang="ko-KR" altLang="en-US" sz="1050" b="1"/>
+          </a:p>
+        </p:txBody>
+      </p:sp>
+      <p:sp>
+        <p:nvSpPr>
+          <p:cNvPr id="51" name="모서리가 둥근 직사각형 47"/>
+          <p:cNvSpPr/>
+          <p:nvPr/>
+        </p:nvSpPr>
+        <p:spPr>
+          <a:xfrm>
+            <a:off x="6300240" y="627480"/>
+            <a:ext cx="216024" cy="216024"/>
+          </a:xfrm>
+          <a:prstGeom prst="roundRect">
+            <a:avLst>
+              <a:gd name="adj" fmla="val 16667"/>
+            </a:avLst>
+          </a:prstGeom>
+          <a:solidFill>
+            <a:srgbClr val="2b96ed"/>
+          </a:solidFill>
+          <a:ln>
+            <a:noFill/>
+          </a:ln>
+        </p:spPr>
+        <p:style>
+          <a:lnRef idx="2">
+            <a:schemeClr val="accent1">
+              <a:shade val="50000"/>
+            </a:schemeClr>
+          </a:lnRef>
+          <a:fillRef idx="1">
+            <a:schemeClr val="accent1"/>
+          </a:fillRef>
+          <a:effectRef idx="0">
+            <a:schemeClr val="accent1"/>
+          </a:effectRef>
+          <a:fontRef idx="minor">
+            <a:schemeClr val="lt1"/>
+          </a:fontRef>
+        </p:style>
+        <p:txBody>
+          <a:bodyPr lIns="0" rIns="0" anchor="ctr"/>
+          <a:lstStyle/>
+          <a:p>
+            <a:pPr algn="ctr">
+              <a:defRPr/>
+            </a:pPr>
+            <a:r>
+              <a:rPr lang="en-US" altLang="ko-KR" sz="1050" b="1"/>
+              <a:t>3</a:t>
+            </a:r>
+            <a:endParaRPr lang="en-US" altLang="ko-KR" sz="1050" b="1"/>
+          </a:p>
+        </p:txBody>
+      </p:sp>
+      <p:sp>
+        <p:nvSpPr>
+          <p:cNvPr id="48" name="모서리가 둥근 직사각형 47"/>
+          <p:cNvSpPr/>
+          <p:nvPr/>
+        </p:nvSpPr>
+        <p:spPr>
+          <a:xfrm>
+            <a:off x="395420" y="987530"/>
+            <a:ext cx="216024" cy="216024"/>
+          </a:xfrm>
+          <a:prstGeom prst="roundRect">
+            <a:avLst>
+              <a:gd name="adj" fmla="val 16667"/>
+            </a:avLst>
+          </a:prstGeom>
+          <a:solidFill>
+            <a:srgbClr val="2b96ed"/>
+          </a:solidFill>
+          <a:ln>
+            <a:noFill/>
+          </a:ln>
+        </p:spPr>
+        <p:style>
+          <a:lnRef idx="2">
+            <a:schemeClr val="accent1">
+              <a:shade val="50000"/>
+            </a:schemeClr>
+          </a:lnRef>
+          <a:fillRef idx="1">
+            <a:schemeClr val="accent1"/>
+          </a:fillRef>
+          <a:effectRef idx="0">
+            <a:schemeClr val="accent1"/>
+          </a:effectRef>
+          <a:fontRef idx="minor">
+            <a:schemeClr val="lt1"/>
+          </a:fontRef>
+        </p:style>
+        <p:txBody>
+          <a:bodyPr lIns="0" rIns="0" anchor="ctr"/>
+          <a:lstStyle/>
+          <a:p>
+            <a:pPr algn="ctr">
+              <a:defRPr/>
+            </a:pPr>
+            <a:r>
+              <a:rPr lang="en-US" altLang="ko-KR" sz="1050" b="1"/>
+              <a:t>2</a:t>
+            </a:r>
+            <a:endParaRPr lang="en-US" altLang="ko-KR" sz="1050" b="1"/>
+          </a:p>
+        </p:txBody>
+      </p:sp>
       <p:sp>
         <p:nvSpPr>
           <p:cNvPr id="78" name="모서리가 둥근 직사각형 47"/>
@@ -8494,33 +8079,6 @@
           <a:chExt cx="0" cy="0"/>
         </a:xfrm>
       </p:grpSpPr>
-      <p:pic>
-        <p:nvPicPr>
-          <p:cNvPr id="147" name=""/>
-          <p:cNvPicPr/>
-          <p:nvPr/>
-        </p:nvPicPr>
-        <p:blipFill rotWithShape="1">
-          <a:blip r:embed="rId2"/>
-          <a:stretch>
-            <a:fillRect/>
-          </a:stretch>
-        </p:blipFill>
-        <p:spPr>
-          <a:xfrm>
-            <a:off x="378598" y="497127"/>
-            <a:ext cx="6336792" cy="4428553"/>
-          </a:xfrm>
-          <a:prstGeom prst="rect">
-            <a:avLst/>
-          </a:prstGeom>
-          <a:ln>
-            <a:solidFill>
-              <a:schemeClr val="dk1"/>
-            </a:solidFill>
-          </a:ln>
-        </p:spPr>
-      </p:pic>
       <p:sp>
         <p:nvSpPr>
           <p:cNvPr id="2" name="텍스트 개체 틀 1"/>
@@ -8540,206 +8098,6 @@
               <a:buNone/>
               <a:defRPr/>
             </a:pPr>
-            <a:r>
-              <a:rPr lang="en-US" altLang="ko-KR"/>
-              <a:t>①</a:t>
-            </a:r>
-            <a:r>
-              <a:rPr lang="ko-KR" altLang="en-US"/>
-              <a:t> 로고</a:t>
-            </a:r>
-            <a:endParaRPr lang="ko-KR" altLang="en-US"/>
-          </a:p>
-          <a:p>
-            <a:pPr marL="0" lvl="0" indent="0">
-              <a:buNone/>
-              <a:defRPr/>
-            </a:pPr>
-            <a:r>
-              <a:rPr lang="ko-KR" altLang="en-US"/>
-              <a:t> </a:t>
-            </a:r>
-            <a:r>
-              <a:rPr lang="en-US" altLang="ko-KR"/>
-              <a:t>-</a:t>
-            </a:r>
-            <a:r>
-              <a:rPr lang="ko-KR" altLang="en-US"/>
-              <a:t> 클릭 시 메인페이지로 이동함</a:t>
-            </a:r>
-            <a:endParaRPr lang="ko-KR" altLang="en-US"/>
-          </a:p>
-          <a:p>
-            <a:pPr marL="0" lvl="0" indent="0">
-              <a:buNone/>
-              <a:defRPr/>
-            </a:pPr>
-            <a:r>
-              <a:rPr lang="en-US" altLang="ko-KR"/>
-              <a:t>② </a:t>
-            </a:r>
-            <a:r>
-              <a:rPr lang="ko-KR" altLang="en-US"/>
-              <a:t>아이디 입력 창</a:t>
-            </a:r>
-            <a:endParaRPr lang="ko-KR" altLang="en-US"/>
-          </a:p>
-          <a:p>
-            <a:pPr marL="0" lvl="0" indent="0">
-              <a:buNone/>
-              <a:defRPr/>
-            </a:pPr>
-            <a:r>
-              <a:rPr lang="ko-KR" altLang="en-US"/>
-              <a:t> </a:t>
-            </a:r>
-            <a:r>
-              <a:rPr lang="en-US" altLang="ko-KR"/>
-              <a:t>-</a:t>
-            </a:r>
-            <a:r>
-              <a:rPr lang="ko-KR" altLang="en-US"/>
-              <a:t> 가입한 아이디를 입력 함</a:t>
-            </a:r>
-            <a:endParaRPr lang="ko-KR" altLang="en-US"/>
-          </a:p>
-          <a:p>
-            <a:pPr marL="0" lvl="0" indent="0">
-              <a:buNone/>
-              <a:defRPr/>
-            </a:pPr>
-            <a:r>
-              <a:rPr lang="ko-KR" altLang="en-US"/>
-              <a:t>③ 비밀번호 입력창</a:t>
-            </a:r>
-            <a:endParaRPr lang="ko-KR" altLang="en-US"/>
-          </a:p>
-          <a:p>
-            <a:pPr marL="0" lvl="0" indent="0">
-              <a:buNone/>
-              <a:defRPr/>
-            </a:pPr>
-            <a:r>
-              <a:rPr lang="ko-KR" altLang="en-US"/>
-              <a:t> </a:t>
-            </a:r>
-            <a:r>
-              <a:rPr lang="en-US" altLang="ko-KR"/>
-              <a:t>-</a:t>
-            </a:r>
-            <a:r>
-              <a:rPr lang="ko-KR" altLang="en-US"/>
-              <a:t> 가입한 사용자정보의 비밀번호를 입력함</a:t>
-            </a:r>
-            <a:endParaRPr lang="ko-KR" altLang="en-US"/>
-          </a:p>
-          <a:p>
-            <a:pPr marL="0" lvl="0" indent="0">
-              <a:buNone/>
-              <a:defRPr/>
-            </a:pPr>
-            <a:r>
-              <a:rPr lang="ko-KR" altLang="en-US"/>
-              <a:t>④ 로그인 완료 버튼</a:t>
-            </a:r>
-            <a:endParaRPr lang="ko-KR" altLang="en-US"/>
-          </a:p>
-          <a:p>
-            <a:pPr marL="0" lvl="0" indent="0">
-              <a:buNone/>
-              <a:defRPr/>
-            </a:pPr>
-            <a:r>
-              <a:rPr lang="ko-KR" altLang="en-US"/>
-              <a:t> </a:t>
-            </a:r>
-            <a:r>
-              <a:rPr lang="en-US" altLang="ko-KR"/>
-              <a:t>-</a:t>
-            </a:r>
-            <a:r>
-              <a:rPr lang="ko-KR" altLang="en-US"/>
-              <a:t> 로그인 완료 시 버튼이 활성화됨</a:t>
-            </a:r>
-            <a:endParaRPr lang="ko-KR" altLang="en-US"/>
-          </a:p>
-          <a:p>
-            <a:pPr marL="0" lvl="0" indent="0">
-              <a:buNone/>
-              <a:defRPr/>
-            </a:pPr>
-            <a:r>
-              <a:rPr lang="ko-KR" altLang="en-US"/>
-              <a:t> </a:t>
-            </a:r>
-            <a:r>
-              <a:rPr lang="en-US" altLang="ko-KR"/>
-              <a:t>-</a:t>
-            </a:r>
-            <a:r>
-              <a:rPr lang="ko-KR" altLang="en-US"/>
-              <a:t> 버튼 클릭 시 로그인되면서 사용자 정보를 </a:t>
-            </a:r>
-            <a:endParaRPr lang="ko-KR" altLang="en-US"/>
-          </a:p>
-          <a:p>
-            <a:pPr marL="0" lvl="0" indent="0">
-              <a:buNone/>
-              <a:defRPr/>
-            </a:pPr>
-            <a:r>
-              <a:rPr lang="ko-KR" altLang="en-US"/>
-              <a:t>   세션에 저장함</a:t>
-            </a:r>
-            <a:endParaRPr lang="ko-KR" altLang="en-US"/>
-          </a:p>
-          <a:p>
-            <a:pPr marL="0" lvl="0" indent="0">
-              <a:buNone/>
-              <a:defRPr/>
-            </a:pPr>
-            <a:r>
-              <a:rPr lang="ko-KR" altLang="en-US"/>
-              <a:t> </a:t>
-            </a:r>
-            <a:r>
-              <a:rPr lang="en-US" altLang="ko-KR"/>
-              <a:t>-</a:t>
-            </a:r>
-            <a:r>
-              <a:rPr lang="ko-KR" altLang="en-US"/>
-              <a:t> 이후 메인페이지로 이동함</a:t>
-            </a:r>
-            <a:endParaRPr lang="en-US" altLang="ko-KR"/>
-          </a:p>
-          <a:p>
-            <a:pPr marL="0" lvl="0" indent="0">
-              <a:buNone/>
-              <a:defRPr/>
-            </a:pPr>
-            <a:r>
-              <a:rPr lang="ko-KR" altLang="en-US"/>
-              <a:t>⑤ 회원가입 버튼</a:t>
-            </a:r>
-            <a:endParaRPr lang="ko-KR" altLang="en-US"/>
-          </a:p>
-          <a:p>
-            <a:pPr marL="0" lvl="0" indent="0">
-              <a:buNone/>
-              <a:defRPr/>
-            </a:pPr>
-            <a:r>
-              <a:rPr lang="ko-KR" altLang="en-US"/>
-              <a:t>  </a:t>
-            </a:r>
-            <a:r>
-              <a:rPr lang="en-US" altLang="ko-KR"/>
-              <a:t>-</a:t>
-            </a:r>
-            <a:r>
-              <a:rPr lang="ko-KR" altLang="en-US"/>
-              <a:t> 클릭 시 회원가입 페이지로 이동함</a:t>
-            </a:r>
             <a:endParaRPr lang="ko-KR" altLang="en-US"/>
           </a:p>
           <a:p>
@@ -9124,33 +8482,6 @@
           <a:chExt cx="0" cy="0"/>
         </a:xfrm>
       </p:grpSpPr>
-      <p:pic>
-        <p:nvPicPr>
-          <p:cNvPr id="149" name=""/>
-          <p:cNvPicPr/>
-          <p:nvPr/>
-        </p:nvPicPr>
-        <p:blipFill rotWithShape="1">
-          <a:blip r:embed="rId2"/>
-          <a:stretch>
-            <a:fillRect/>
-          </a:stretch>
-        </p:blipFill>
-        <p:spPr>
-          <a:xfrm>
-            <a:off x="389123" y="504861"/>
-            <a:ext cx="6336792" cy="4428553"/>
-          </a:xfrm>
-          <a:prstGeom prst="rect">
-            <a:avLst/>
-          </a:prstGeom>
-          <a:ln>
-            <a:solidFill>
-              <a:schemeClr val="dk1"/>
-            </a:solidFill>
-          </a:ln>
-        </p:spPr>
-      </p:pic>
       <p:sp>
         <p:nvSpPr>
           <p:cNvPr id="2" name="텍스트 개체 틀 1"/>
@@ -9171,414 +8502,8 @@
               <a:defRPr/>
             </a:pPr>
             <a:r>
-              <a:rPr lang="en-US" altLang="ko-KR"/>
-              <a:t>①</a:t>
-            </a:r>
-            <a:r>
               <a:rPr lang="ko-KR" altLang="en-US"/>
-              <a:t> 로고</a:t>
-            </a:r>
-            <a:endParaRPr lang="ko-KR" altLang="en-US"/>
-          </a:p>
-          <a:p>
-            <a:pPr marL="0" lvl="0" indent="0">
-              <a:buNone/>
-              <a:defRPr/>
-            </a:pPr>
-            <a:r>
-              <a:rPr lang="ko-KR" altLang="en-US"/>
-              <a:t> </a:t>
-            </a:r>
-            <a:r>
-              <a:rPr lang="en-US" altLang="ko-KR"/>
-              <a:t>-</a:t>
-            </a:r>
-            <a:r>
-              <a:rPr lang="ko-KR" altLang="en-US"/>
-              <a:t> 클릭 시 메인페이지로 이동함</a:t>
-            </a:r>
-            <a:endParaRPr lang="ko-KR" altLang="en-US"/>
-          </a:p>
-          <a:p>
-            <a:pPr marL="0" lvl="0" indent="0">
-              <a:buNone/>
-              <a:defRPr/>
-            </a:pPr>
-            <a:r>
-              <a:rPr lang="en-US" altLang="ko-KR"/>
-              <a:t>② </a:t>
-            </a:r>
-            <a:r>
-              <a:rPr lang="ko-KR" altLang="en-US"/>
-              <a:t>아이디 입력창</a:t>
-            </a:r>
-            <a:endParaRPr lang="ko-KR" altLang="en-US"/>
-          </a:p>
-          <a:p>
-            <a:pPr marL="0" lvl="0" indent="0">
-              <a:buNone/>
-              <a:defRPr/>
-            </a:pPr>
-            <a:r>
-              <a:rPr lang="ko-KR" altLang="en-US"/>
-              <a:t> </a:t>
-            </a:r>
-            <a:r>
-              <a:rPr lang="en-US" altLang="ko-KR"/>
-              <a:t>-</a:t>
-            </a:r>
-            <a:r>
-              <a:rPr lang="ko-KR" altLang="en-US"/>
-              <a:t> 사용자가 원하는 아이디를 입력함</a:t>
-            </a:r>
-            <a:endParaRPr lang="ko-KR" altLang="en-US"/>
-          </a:p>
-          <a:p>
-            <a:pPr marL="0" lvl="0" indent="0">
-              <a:buNone/>
-              <a:defRPr/>
-            </a:pPr>
-            <a:r>
-              <a:rPr lang="ko-KR" altLang="en-US"/>
-              <a:t>③ 중복검사 버튼</a:t>
-            </a:r>
-            <a:endParaRPr lang="ko-KR" altLang="en-US"/>
-          </a:p>
-          <a:p>
-            <a:pPr marL="0" lvl="0" indent="0">
-              <a:buNone/>
-              <a:defRPr/>
-            </a:pPr>
-            <a:r>
-              <a:rPr lang="ko-KR" altLang="en-US"/>
-              <a:t> </a:t>
-            </a:r>
-            <a:r>
-              <a:rPr lang="en-US" altLang="ko-KR"/>
-              <a:t>-</a:t>
-            </a:r>
-            <a:r>
-              <a:rPr lang="ko-KR" altLang="en-US"/>
-              <a:t> 사용자가 입력한 아이디를 중복확인하여</a:t>
-            </a:r>
-            <a:endParaRPr lang="ko-KR" altLang="en-US"/>
-          </a:p>
-          <a:p>
-            <a:pPr marL="0" lvl="0" indent="0">
-              <a:buNone/>
-              <a:defRPr/>
-            </a:pPr>
-            <a:r>
-              <a:rPr lang="ko-KR" altLang="en-US"/>
-              <a:t>   바로 아래에 사용여부문구를 보여줌</a:t>
-            </a:r>
-            <a:endParaRPr lang="ko-KR" altLang="en-US"/>
-          </a:p>
-          <a:p>
-            <a:pPr marL="0" lvl="0" indent="0">
-              <a:buNone/>
-              <a:defRPr/>
-            </a:pPr>
-            <a:r>
-              <a:rPr lang="ko-KR" altLang="en-US"/>
-              <a:t>④ 비밀번호 및 확인 입력창</a:t>
-            </a:r>
-            <a:endParaRPr lang="ko-KR" altLang="en-US"/>
-          </a:p>
-          <a:p>
-            <a:pPr marL="0" lvl="0" indent="0">
-              <a:buNone/>
-              <a:defRPr/>
-            </a:pPr>
-            <a:r>
-              <a:rPr lang="ko-KR" altLang="en-US"/>
-              <a:t> </a:t>
-            </a:r>
-            <a:r>
-              <a:rPr lang="en-US" altLang="ko-KR"/>
-              <a:t>-</a:t>
-            </a:r>
-            <a:r>
-              <a:rPr lang="ko-KR" altLang="en-US"/>
-              <a:t> 사용자가 원하는 비밀번호와 해당하는 </a:t>
-            </a:r>
-            <a:endParaRPr lang="ko-KR" altLang="en-US"/>
-          </a:p>
-          <a:p>
-            <a:pPr marL="0" lvl="0" indent="0">
-              <a:buNone/>
-              <a:defRPr/>
-            </a:pPr>
-            <a:r>
-              <a:rPr lang="ko-KR" altLang="en-US"/>
-              <a:t>   비밀번호를 한번 더 입력하여 확인함</a:t>
-            </a:r>
-            <a:endParaRPr lang="ko-KR" altLang="en-US"/>
-          </a:p>
-          <a:p>
-            <a:pPr marL="0" lvl="0" indent="0">
-              <a:buNone/>
-              <a:defRPr/>
-            </a:pPr>
-            <a:r>
-              <a:rPr lang="ko-KR" altLang="en-US"/>
-              <a:t>⑤ 이름 입력창</a:t>
-            </a:r>
-            <a:endParaRPr lang="ko-KR" altLang="en-US"/>
-          </a:p>
-          <a:p>
-            <a:pPr marL="0" lvl="0" indent="0">
-              <a:buNone/>
-              <a:defRPr/>
-            </a:pPr>
-            <a:r>
-              <a:rPr lang="ko-KR" altLang="en-US"/>
-              <a:t> </a:t>
-            </a:r>
-            <a:r>
-              <a:rPr lang="en-US" altLang="ko-KR"/>
-              <a:t>-</a:t>
-            </a:r>
-            <a:r>
-              <a:rPr lang="ko-KR" altLang="en-US"/>
-              <a:t> 사용자의 이름을 입력 받음</a:t>
-            </a:r>
-            <a:endParaRPr lang="ko-KR" altLang="en-US"/>
-          </a:p>
-          <a:p>
-            <a:pPr marL="0" lvl="0" indent="0">
-              <a:buNone/>
-              <a:defRPr/>
-            </a:pPr>
-            <a:r>
-              <a:rPr lang="ko-KR" altLang="en-US"/>
-              <a:t>⑥ 전화번호 입력 창</a:t>
-            </a:r>
-            <a:endParaRPr lang="ko-KR" altLang="en-US"/>
-          </a:p>
-          <a:p>
-            <a:pPr marL="0" lvl="0" indent="0">
-              <a:buNone/>
-              <a:defRPr/>
-            </a:pPr>
-            <a:r>
-              <a:rPr lang="ko-KR" altLang="en-US"/>
-              <a:t> </a:t>
-            </a:r>
-            <a:r>
-              <a:rPr lang="en-US" altLang="ko-KR"/>
-              <a:t>-</a:t>
-            </a:r>
-            <a:r>
-              <a:rPr lang="ko-KR" altLang="en-US"/>
-              <a:t> 사용자의 전화번호를 입력 받음</a:t>
-            </a:r>
-            <a:endParaRPr lang="ko-KR" altLang="en-US"/>
-          </a:p>
-          <a:p>
-            <a:pPr marL="0" lvl="0" indent="0">
-              <a:buNone/>
-              <a:defRPr/>
-            </a:pPr>
-            <a:r>
-              <a:rPr lang="ko-KR" altLang="en-US"/>
-              <a:t>⑦ 코드받기 버튼</a:t>
-            </a:r>
-            <a:endParaRPr lang="ko-KR" altLang="en-US"/>
-          </a:p>
-          <a:p>
-            <a:pPr marL="0" lvl="0" indent="0">
-              <a:buNone/>
-              <a:defRPr/>
-            </a:pPr>
-            <a:r>
-              <a:rPr lang="ko-KR" altLang="en-US"/>
-              <a:t> </a:t>
-            </a:r>
-            <a:r>
-              <a:rPr lang="en-US" altLang="ko-KR"/>
-              <a:t>-</a:t>
-            </a:r>
-            <a:r>
-              <a:rPr lang="ko-KR" altLang="en-US"/>
-              <a:t> 입력받은 전화번호를 기반으로 코드를 </a:t>
-            </a:r>
-            <a:endParaRPr lang="ko-KR" altLang="en-US"/>
-          </a:p>
-          <a:p>
-            <a:pPr marL="0" lvl="0" indent="0">
-              <a:buNone/>
-              <a:defRPr/>
-            </a:pPr>
-            <a:r>
-              <a:rPr lang="ko-KR" altLang="en-US"/>
-              <a:t>   생성하여 메시지를 보냄</a:t>
-            </a:r>
-            <a:endParaRPr lang="ko-KR" altLang="en-US"/>
-          </a:p>
-          <a:p>
-            <a:pPr marL="0" lvl="0" indent="0">
-              <a:buNone/>
-              <a:defRPr/>
-            </a:pPr>
-            <a:r>
-              <a:rPr lang="ko-KR" altLang="en-US"/>
-              <a:t> </a:t>
-            </a:r>
-            <a:r>
-              <a:rPr lang="en-US" altLang="ko-KR"/>
-              <a:t>-</a:t>
-            </a:r>
-            <a:r>
-              <a:rPr lang="ko-KR" altLang="en-US"/>
-              <a:t> 외부 </a:t>
-            </a:r>
-            <a:r>
-              <a:rPr lang="en-US" altLang="ko-KR"/>
-              <a:t>API</a:t>
-            </a:r>
-            <a:r>
-              <a:rPr lang="ko-KR" altLang="en-US"/>
-              <a:t>를 활용함</a:t>
-            </a:r>
-            <a:endParaRPr lang="ko-KR" altLang="en-US"/>
-          </a:p>
-          <a:p>
-            <a:pPr marL="0" lvl="0" indent="0">
-              <a:buNone/>
-              <a:defRPr/>
-            </a:pPr>
-            <a:r>
-              <a:rPr lang="ko-KR" altLang="en-US"/>
-              <a:t>⑩ 주소검색 버튼</a:t>
-            </a:r>
-            <a:endParaRPr lang="ko-KR" altLang="en-US"/>
-          </a:p>
-          <a:p>
-            <a:pPr marL="0" lvl="0" indent="0">
-              <a:buNone/>
-              <a:defRPr/>
-            </a:pPr>
-            <a:r>
-              <a:rPr lang="ko-KR" altLang="en-US"/>
-              <a:t> </a:t>
-            </a:r>
-            <a:r>
-              <a:rPr lang="en-US" altLang="ko-KR"/>
-              <a:t>-</a:t>
-            </a:r>
-            <a:r>
-              <a:rPr lang="ko-KR" altLang="en-US"/>
-              <a:t> 다음주소</a:t>
-            </a:r>
-            <a:r>
-              <a:rPr lang="en-US" altLang="ko-KR"/>
-              <a:t>API</a:t>
-            </a:r>
-            <a:r>
-              <a:rPr lang="ko-KR" altLang="en-US"/>
-              <a:t>를 이용하여 사용자의 주소를 </a:t>
-            </a:r>
-            <a:endParaRPr lang="ko-KR" altLang="en-US"/>
-          </a:p>
-          <a:p>
-            <a:pPr marL="0" lvl="0" indent="0">
-              <a:buNone/>
-              <a:defRPr/>
-            </a:pPr>
-            <a:r>
-              <a:rPr lang="ko-KR" altLang="en-US"/>
-              <a:t>   입력 받음</a:t>
-            </a:r>
-            <a:endParaRPr lang="ko-KR" altLang="en-US"/>
-          </a:p>
-          <a:p>
-            <a:pPr marL="0" lvl="0" indent="0">
-              <a:buNone/>
-              <a:defRPr/>
-            </a:pPr>
-            <a:r>
-              <a:rPr lang="ko-KR" altLang="en-US"/>
-              <a:t>⑪ 상세주소 입력 창</a:t>
-            </a:r>
-            <a:endParaRPr lang="ko-KR" altLang="en-US"/>
-          </a:p>
-          <a:p>
-            <a:pPr marL="0" lvl="0" indent="0">
-              <a:buNone/>
-              <a:defRPr/>
-            </a:pPr>
-            <a:r>
-              <a:rPr lang="ko-KR" altLang="en-US"/>
-              <a:t> </a:t>
-            </a:r>
-            <a:r>
-              <a:rPr lang="en-US" altLang="ko-KR"/>
-              <a:t>-</a:t>
-            </a:r>
-            <a:r>
-              <a:rPr lang="ko-KR" altLang="en-US"/>
-              <a:t> 위 사항에 기입되지 않은 상세 주소를 입력</a:t>
-            </a:r>
-            <a:endParaRPr lang="ko-KR" altLang="en-US"/>
-          </a:p>
-          <a:p>
-            <a:pPr marL="0" lvl="0" indent="0">
-              <a:buNone/>
-              <a:defRPr/>
-            </a:pPr>
-            <a:r>
-              <a:rPr lang="ko-KR" altLang="en-US"/>
-              <a:t>⑫ 가입완료 버튼</a:t>
-            </a:r>
-            <a:endParaRPr lang="ko-KR" altLang="en-US"/>
-          </a:p>
-          <a:p>
-            <a:pPr marL="0" lvl="0" indent="0">
-              <a:buNone/>
-              <a:defRPr/>
-            </a:pPr>
-            <a:r>
-              <a:rPr lang="ko-KR" altLang="en-US"/>
-              <a:t> </a:t>
-            </a:r>
-            <a:r>
-              <a:rPr lang="en-US" altLang="ko-KR"/>
-              <a:t>-</a:t>
-            </a:r>
-            <a:r>
-              <a:rPr lang="ko-KR" altLang="en-US"/>
-              <a:t> 위 사항을 모두 기록하였다면 버튼을 활성화</a:t>
-            </a:r>
-            <a:endParaRPr lang="ko-KR" altLang="en-US"/>
-          </a:p>
-          <a:p>
-            <a:pPr marL="0" lvl="0" indent="0">
-              <a:buNone/>
-              <a:defRPr/>
-            </a:pPr>
-            <a:r>
-              <a:rPr lang="ko-KR" altLang="en-US"/>
-              <a:t> </a:t>
-            </a:r>
-            <a:r>
-              <a:rPr lang="en-US" altLang="ko-KR"/>
-              <a:t>-</a:t>
-            </a:r>
-            <a:r>
-              <a:rPr lang="ko-KR" altLang="en-US"/>
-              <a:t> 클릭 시 회원가입이 완료되고 메인페이지로 </a:t>
-            </a:r>
-            <a:endParaRPr lang="ko-KR" altLang="en-US"/>
-          </a:p>
-          <a:p>
-            <a:pPr marL="0" lvl="0" indent="0">
-              <a:buNone/>
-              <a:defRPr/>
-            </a:pPr>
-            <a:r>
-              <a:rPr lang="ko-KR" altLang="en-US"/>
-              <a:t>   이동</a:t>
+              <a:t/>
             </a:r>
             <a:endParaRPr lang="ko-KR" altLang="en-US"/>
           </a:p>
@@ -10639,7 +9564,7 @@
 </file>
 
 <file path=ppt/slides/slide3.xml><?xml version="1.0" encoding="utf-8"?>
-<p:sld xmlns:a="http://schemas.openxmlformats.org/drawingml/2006/main" xmlns:r="http://schemas.openxmlformats.org/officeDocument/2006/relationships" xmlns:p="http://schemas.openxmlformats.org/presentationml/2006/main">
+<p:sld xmlns:r="http://schemas.openxmlformats.org/officeDocument/2006/relationships" xmlns:c="http://schemas.openxmlformats.org/drawingml/2006/chart" xmlns:a="http://schemas.openxmlformats.org/drawingml/2006/main" xmlns:dgm="http://schemas.openxmlformats.org/drawingml/2006/diagram" xmlns:dsp="http://schemas.microsoft.com/office/drawing/2008/diagram" xmlns:p="http://schemas.openxmlformats.org/presentationml/2006/main">
   <p:cSld>
     <p:spTree>
       <p:nvGrpSpPr>
@@ -10662,7 +9587,7 @@
             <a:spLocks noGrp="1"/>
           </p:cNvSpPr>
           <p:nvPr>
-            <p:ph type="title"/>
+            <p:ph type="title" idx="0"/>
           </p:nvPr>
         </p:nvSpPr>
         <p:spPr/>
@@ -10681,6 +9606,7 @@
               <a:rPr lang="ko-KR" altLang="en-US"/>
               <a:t>문서 이력</a:t>
             </a:r>
+            <a:endParaRPr lang="ko-KR" altLang="en-US"/>
           </a:p>
         </p:txBody>
       </p:sp>
@@ -10722,11 +9648,11 @@
   <p:clrMapOvr>
     <a:masterClrMapping/>
   </p:clrMapOvr>
-  <mc:AlternateContent xmlns:mc="http://schemas.openxmlformats.org/markup-compatibility/2006" xmlns:p14="http://schemas.microsoft.com/office/powerpoint/2010/main">
-    <mc:Choice Requires="p14">
-      <p:transition/>
+  <mc:AlternateContent xmlns:mc="http://schemas.openxmlformats.org/markup-compatibility/2006">
+    <mc:Choice xmlns:p14="http://schemas.microsoft.com/office/powerpoint/2010/main" Requires="p14">
+      <p:transition xmlns:mc="http://schemas.openxmlformats.org/markup-compatibility/2006" xmlns:p14="http://schemas.microsoft.com/office/powerpoint/2010/main" mc:Ignorable="p14" p14:dur="500"/>
     </mc:Choice>
-    <mc:Fallback xmlns:dsp="http://schemas.microsoft.com/office/drawing/2008/diagram" xmlns:dgm="http://schemas.openxmlformats.org/drawingml/2006/diagram" xmlns:c="http://schemas.openxmlformats.org/drawingml/2006/chart" xmlns="">
+    <mc:Fallback>
       <p:transition/>
     </mc:Fallback>
   </mc:AlternateContent>
@@ -11219,16 +10145,6 @@
                       <a:pPr algn="ctr">
                         <a:defRPr/>
                       </a:pPr>
-                      <a:r>
-                        <a:rPr lang="en-US" altLang="ko-KR" sz="900">
-                          <a:solidFill>
-                            <a:schemeClr val="tx1"/>
-                          </a:solidFill>
-                          <a:latin typeface="+mn-ea"/>
-                          <a:ea typeface="+mn-ea"/>
-                        </a:rPr>
-                        <a:t>1.0.0</a:t>
-                      </a:r>
                       <a:endParaRPr lang="en-US" altLang="ko-KR" sz="900">
                         <a:solidFill>
                           <a:schemeClr val="tx1"/>
@@ -11303,16 +10219,6 @@
                         <a:buNone/>
                         <a:defRPr/>
                       </a:pPr>
-                      <a:r>
-                        <a:rPr lang="en-US" altLang="ko-KR" sz="900">
-                          <a:solidFill>
-                            <a:schemeClr val="tx1"/>
-                          </a:solidFill>
-                          <a:latin typeface="+mn-ea"/>
-                          <a:ea typeface="+mn-ea"/>
-                        </a:rPr>
-                        <a:t>22.06.03</a:t>
-                      </a:r>
                       <a:endParaRPr lang="en-US" altLang="ko-KR" sz="900">
                         <a:solidFill>
                           <a:schemeClr val="tx1"/>
@@ -11392,16 +10298,6 @@
                         <a:buNone/>
                         <a:defRPr/>
                       </a:pPr>
-                      <a:r>
-                        <a:rPr lang="ko-KR" altLang="en-US" sz="900" b="1" baseline="0">
-                          <a:solidFill>
-                            <a:schemeClr val="tx1"/>
-                          </a:solidFill>
-                          <a:latin typeface="+mn-ea"/>
-                          <a:ea typeface="+mn-ea"/>
-                        </a:rPr>
-                        <a:t>전체 페이지</a:t>
-                      </a:r>
                       <a:endParaRPr lang="ko-KR" altLang="en-US" sz="900" b="1" baseline="0">
                         <a:solidFill>
                           <a:schemeClr val="tx1"/>
@@ -11481,26 +10377,6 @@
                         <a:buNone/>
                         <a:defRPr/>
                       </a:pPr>
-                      <a:r>
-                        <a:rPr lang="en-US" altLang="ko-KR" sz="900" b="1" baseline="0">
-                          <a:solidFill>
-                            <a:schemeClr val="tx1"/>
-                          </a:solidFill>
-                          <a:latin typeface="+mn-ea"/>
-                          <a:ea typeface="+mn-ea"/>
-                        </a:rPr>
-                        <a:t>index page</a:t>
-                      </a:r>
-                      <a:r>
-                        <a:rPr lang="ko-KR" altLang="en-US" sz="900" b="1" baseline="0">
-                          <a:solidFill>
-                            <a:schemeClr val="tx1"/>
-                          </a:solidFill>
-                          <a:latin typeface="+mn-ea"/>
-                          <a:ea typeface="+mn-ea"/>
-                        </a:rPr>
-                        <a:t> 수정</a:t>
-                      </a:r>
                       <a:endParaRPr lang="ko-KR" altLang="en-US" sz="900" b="1" baseline="0">
                         <a:solidFill>
                           <a:schemeClr val="tx1"/>
@@ -11580,17 +10456,6 @@
                         <a:buNone/>
                         <a:defRPr/>
                       </a:pPr>
-                      <a:r>
-                        <a:rPr kumimoji="1" lang="ko-KR" altLang="en-US" sz="900" b="0" i="0" u="none" strike="noStrike" cap="none" normalizeH="0" baseline="0">
-                          <a:solidFill>
-                            <a:schemeClr val="tx1"/>
-                          </a:solidFill>
-                          <a:effectLst/>
-                          <a:latin typeface="+mn-ea"/>
-                          <a:ea typeface="+mn-ea"/>
-                        </a:rPr>
-                        <a:t>유요한</a:t>
-                      </a:r>
                       <a:endParaRPr kumimoji="1" lang="ko-KR" altLang="en-US" sz="900" b="0" i="0" u="none" strike="noStrike" cap="none" normalizeH="0" baseline="0">
                         <a:solidFill>
                           <a:schemeClr val="tx1"/>
@@ -11656,16 +10521,6 @@
                       <a:pPr algn="ctr">
                         <a:defRPr/>
                       </a:pPr>
-                      <a:r>
-                        <a:rPr lang="en-US" altLang="ko-KR" sz="900">
-                          <a:solidFill>
-                            <a:schemeClr val="tx1"/>
-                          </a:solidFill>
-                          <a:latin typeface="+mn-ea"/>
-                          <a:ea typeface="+mn-ea"/>
-                        </a:rPr>
-                        <a:t>1.0.1</a:t>
-                      </a:r>
                       <a:endParaRPr lang="en-US" altLang="ko-KR" sz="900">
                         <a:solidFill>
                           <a:schemeClr val="tx1"/>
@@ -11743,16 +10598,6 @@
                         <a:buNone/>
                         <a:defRPr/>
                       </a:pPr>
-                      <a:r>
-                        <a:rPr lang="en-US" altLang="ko-KR" sz="900">
-                          <a:solidFill>
-                            <a:schemeClr val="tx1"/>
-                          </a:solidFill>
-                          <a:latin typeface="+mn-ea"/>
-                          <a:ea typeface="+mn-ea"/>
-                        </a:rPr>
-                        <a:t>22.06.04</a:t>
-                      </a:r>
                       <a:endParaRPr lang="en-US" altLang="ko-KR" sz="900">
                         <a:solidFill>
                           <a:schemeClr val="tx1"/>
@@ -11835,16 +10680,6 @@
                         <a:buNone/>
                         <a:defRPr/>
                       </a:pPr>
-                      <a:r>
-                        <a:rPr lang="ko-KR" altLang="en-US" sz="900" b="0" baseline="0">
-                          <a:solidFill>
-                            <a:schemeClr val="tx1"/>
-                          </a:solidFill>
-                          <a:latin typeface="+mn-ea"/>
-                          <a:ea typeface="+mn-ea"/>
-                        </a:rPr>
-                        <a:t>전체 페이지</a:t>
-                      </a:r>
                       <a:endParaRPr lang="ko-KR" altLang="en-US" sz="900" b="0" baseline="0">
                         <a:solidFill>
                           <a:schemeClr val="tx1"/>
@@ -11927,76 +10762,6 @@
                         <a:buNone/>
                         <a:defRPr/>
                       </a:pPr>
-                      <a:r>
-                        <a:rPr lang="ko-KR" altLang="en-US" sz="900" b="0" baseline="0">
-                          <a:solidFill>
-                            <a:schemeClr val="tx1"/>
-                          </a:solidFill>
-                          <a:latin typeface="+mn-ea"/>
-                          <a:ea typeface="+mn-ea"/>
-                        </a:rPr>
-                        <a:t>메뉴구조 추가</a:t>
-                      </a:r>
-                      <a:r>
-                        <a:rPr lang="en-US" altLang="ko-KR" sz="900" b="0" baseline="0">
-                          <a:solidFill>
-                            <a:schemeClr val="tx1"/>
-                          </a:solidFill>
-                          <a:latin typeface="+mn-ea"/>
-                          <a:ea typeface="+mn-ea"/>
-                        </a:rPr>
-                        <a:t>,</a:t>
-                      </a:r>
-                      <a:r>
-                        <a:rPr lang="ko-KR" altLang="en-US" sz="900" b="0" baseline="0">
-                          <a:solidFill>
-                            <a:schemeClr val="tx1"/>
-                          </a:solidFill>
-                          <a:latin typeface="+mn-ea"/>
-                          <a:ea typeface="+mn-ea"/>
-                        </a:rPr>
-                        <a:t> 화면목록</a:t>
-                      </a:r>
-                      <a:r>
-                        <a:rPr lang="en-US" altLang="ko-KR" sz="900" b="0" baseline="0">
-                          <a:solidFill>
-                            <a:schemeClr val="tx1"/>
-                          </a:solidFill>
-                          <a:latin typeface="+mn-ea"/>
-                          <a:ea typeface="+mn-ea"/>
-                        </a:rPr>
-                        <a:t>,</a:t>
-                      </a:r>
-                      <a:r>
-                        <a:rPr lang="ko-KR" altLang="en-US" sz="900" b="0" baseline="0">
-                          <a:solidFill>
-                            <a:schemeClr val="tx1"/>
-                          </a:solidFill>
-                          <a:latin typeface="+mn-ea"/>
-                          <a:ea typeface="+mn-ea"/>
-                        </a:rPr>
-                        <a:t> </a:t>
-                      </a:r>
-                      <a:r>
-                        <a:rPr lang="en-US" altLang="ko-KR" sz="900" b="0" baseline="0">
-                          <a:solidFill>
-                            <a:schemeClr val="tx1"/>
-                          </a:solidFill>
-                          <a:latin typeface="+mn-ea"/>
-                          <a:ea typeface="+mn-ea"/>
-                        </a:rPr>
-                        <a:t>UI</a:t>
-                      </a:r>
-                      <a:r>
-                        <a:rPr lang="ko-KR" altLang="en-US" sz="900" b="0" baseline="0">
-                          <a:solidFill>
-                            <a:schemeClr val="tx1"/>
-                          </a:solidFill>
-                          <a:latin typeface="+mn-ea"/>
-                          <a:ea typeface="+mn-ea"/>
-                        </a:rPr>
-                        <a:t>설계 추가</a:t>
-                      </a:r>
                       <a:endParaRPr lang="ko-KR" altLang="en-US" sz="900" b="0" baseline="0">
                         <a:solidFill>
                           <a:schemeClr val="tx1"/>
@@ -12079,17 +10844,6 @@
                         <a:buNone/>
                         <a:defRPr/>
                       </a:pPr>
-                      <a:r>
-                        <a:rPr kumimoji="1" lang="ko-KR" altLang="en-US" sz="900" b="0" i="0" u="none" strike="noStrike" cap="none" normalizeH="0" baseline="0">
-                          <a:solidFill>
-                            <a:schemeClr val="tx1"/>
-                          </a:solidFill>
-                          <a:effectLst/>
-                          <a:latin typeface="+mn-ea"/>
-                          <a:ea typeface="+mn-ea"/>
-                        </a:rPr>
-                        <a:t>유요한</a:t>
-                      </a:r>
                       <a:endParaRPr kumimoji="1" lang="ko-KR" altLang="en-US" sz="900" b="0" i="0" u="none" strike="noStrike" cap="none" normalizeH="0" baseline="0">
                         <a:solidFill>
                           <a:schemeClr val="tx1"/>
@@ -12157,16 +10911,6 @@
                       <a:pPr algn="ctr">
                         <a:defRPr/>
                       </a:pPr>
-                      <a:r>
-                        <a:rPr lang="en-US" altLang="ko-KR" sz="900">
-                          <a:solidFill>
-                            <a:schemeClr val="tx1"/>
-                          </a:solidFill>
-                          <a:latin typeface="+mn-ea"/>
-                          <a:ea typeface="+mn-ea"/>
-                        </a:rPr>
-                        <a:t>1.1.0</a:t>
-                      </a:r>
                       <a:endParaRPr lang="en-US" altLang="ko-KR" sz="900">
                         <a:solidFill>
                           <a:schemeClr val="tx1"/>
@@ -12244,16 +10988,6 @@
                         <a:buNone/>
                         <a:defRPr/>
                       </a:pPr>
-                      <a:r>
-                        <a:rPr lang="en-US" altLang="ko-KR" sz="900">
-                          <a:solidFill>
-                            <a:schemeClr val="tx1"/>
-                          </a:solidFill>
-                          <a:latin typeface="+mn-ea"/>
-                          <a:ea typeface="+mn-ea"/>
-                        </a:rPr>
-                        <a:t>22.06.30</a:t>
-                      </a:r>
                       <a:endParaRPr lang="en-US" altLang="ko-KR" sz="900">
                         <a:solidFill>
                           <a:schemeClr val="tx1"/>
@@ -12336,16 +11070,6 @@
                         <a:buNone/>
                         <a:defRPr/>
                       </a:pPr>
-                      <a:r>
-                        <a:rPr lang="ko-KR" altLang="en-US" sz="900" b="0" baseline="0">
-                          <a:solidFill>
-                            <a:schemeClr val="tx1"/>
-                          </a:solidFill>
-                          <a:latin typeface="+mn-ea"/>
-                          <a:ea typeface="+mn-ea"/>
-                        </a:rPr>
-                        <a:t>전체 페이지</a:t>
-                      </a:r>
                       <a:endParaRPr lang="ko-KR" altLang="en-US" sz="900" b="0" baseline="0">
                         <a:solidFill>
                           <a:schemeClr val="tx1"/>
@@ -12428,76 +11152,6 @@
                         <a:buNone/>
                         <a:defRPr/>
                       </a:pPr>
-                      <a:r>
-                        <a:rPr lang="ko-KR" altLang="en-US" sz="900" b="0" baseline="0">
-                          <a:solidFill>
-                            <a:schemeClr val="tx1"/>
-                          </a:solidFill>
-                          <a:latin typeface="+mn-ea"/>
-                          <a:ea typeface="+mn-ea"/>
-                        </a:rPr>
-                        <a:t>메뉴구조</a:t>
-                      </a:r>
-                      <a:r>
-                        <a:rPr lang="en-US" altLang="ko-KR" sz="900" b="0" baseline="0">
-                          <a:solidFill>
-                            <a:schemeClr val="tx1"/>
-                          </a:solidFill>
-                          <a:latin typeface="+mn-ea"/>
-                          <a:ea typeface="+mn-ea"/>
-                        </a:rPr>
-                        <a:t>,</a:t>
-                      </a:r>
-                      <a:r>
-                        <a:rPr lang="ko-KR" altLang="en-US" sz="900" b="0" baseline="0">
-                          <a:solidFill>
-                            <a:schemeClr val="tx1"/>
-                          </a:solidFill>
-                          <a:latin typeface="+mn-ea"/>
-                          <a:ea typeface="+mn-ea"/>
-                        </a:rPr>
-                        <a:t> 화면목록</a:t>
-                      </a:r>
-                      <a:r>
-                        <a:rPr lang="en-US" altLang="ko-KR" sz="900" b="0" baseline="0">
-                          <a:solidFill>
-                            <a:schemeClr val="tx1"/>
-                          </a:solidFill>
-                          <a:latin typeface="+mn-ea"/>
-                          <a:ea typeface="+mn-ea"/>
-                        </a:rPr>
-                        <a:t>,</a:t>
-                      </a:r>
-                      <a:r>
-                        <a:rPr lang="ko-KR" altLang="en-US" sz="900" b="0" baseline="0">
-                          <a:solidFill>
-                            <a:schemeClr val="tx1"/>
-                          </a:solidFill>
-                          <a:latin typeface="+mn-ea"/>
-                          <a:ea typeface="+mn-ea"/>
-                        </a:rPr>
-                        <a:t>   </a:t>
-                      </a:r>
-                      <a:r>
-                        <a:rPr lang="en-US" altLang="ko-KR" sz="900" b="0" baseline="0">
-                          <a:solidFill>
-                            <a:schemeClr val="tx1"/>
-                          </a:solidFill>
-                          <a:latin typeface="+mn-ea"/>
-                          <a:ea typeface="+mn-ea"/>
-                        </a:rPr>
-                        <a:t>UI</a:t>
-                      </a:r>
-                      <a:r>
-                        <a:rPr lang="ko-KR" altLang="en-US" sz="900" b="0" baseline="0">
-                          <a:solidFill>
-                            <a:schemeClr val="tx1"/>
-                          </a:solidFill>
-                          <a:latin typeface="+mn-ea"/>
-                          <a:ea typeface="+mn-ea"/>
-                        </a:rPr>
-                        <a:t>설계 수정</a:t>
-                      </a:r>
                       <a:endParaRPr lang="ko-KR" altLang="en-US" sz="900" b="0" baseline="0">
                         <a:solidFill>
                           <a:schemeClr val="tx1"/>
@@ -12580,17 +11234,6 @@
                         <a:buNone/>
                         <a:defRPr/>
                       </a:pPr>
-                      <a:r>
-                        <a:rPr kumimoji="1" lang="ko-KR" altLang="en-US" sz="900" b="0" i="0" u="none" strike="noStrike" cap="none" normalizeH="0" baseline="0">
-                          <a:solidFill>
-                            <a:schemeClr val="tx1"/>
-                          </a:solidFill>
-                          <a:effectLst/>
-                          <a:latin typeface="+mn-ea"/>
-                          <a:ea typeface="+mn-ea"/>
-                        </a:rPr>
-                        <a:t>유요한</a:t>
-                      </a:r>
                       <a:endParaRPr kumimoji="1" lang="ko-KR" altLang="en-US" sz="900" b="0" i="0" u="none" strike="noStrike" cap="none" normalizeH="0" baseline="0">
                         <a:solidFill>
                           <a:schemeClr val="tx1"/>
@@ -12658,16 +11301,6 @@
                       <a:pPr algn="ctr">
                         <a:defRPr/>
                       </a:pPr>
-                      <a:r>
-                        <a:rPr lang="en-US" altLang="ko-KR" sz="900">
-                          <a:solidFill>
-                            <a:schemeClr val="tx1"/>
-                          </a:solidFill>
-                          <a:latin typeface="+mn-ea"/>
-                          <a:ea typeface="+mn-ea"/>
-                        </a:rPr>
-                        <a:t>1.1.1</a:t>
-                      </a:r>
                       <a:endParaRPr lang="en-US" altLang="ko-KR" sz="900">
                         <a:solidFill>
                           <a:schemeClr val="tx1"/>
@@ -12745,16 +11378,6 @@
                         <a:buNone/>
                         <a:defRPr/>
                       </a:pPr>
-                      <a:r>
-                        <a:rPr lang="en-US" altLang="ko-KR" sz="900">
-                          <a:solidFill>
-                            <a:schemeClr val="tx1"/>
-                          </a:solidFill>
-                          <a:latin typeface="+mn-ea"/>
-                          <a:ea typeface="+mn-ea"/>
-                        </a:rPr>
-                        <a:t>22.07.27</a:t>
-                      </a:r>
                       <a:endParaRPr lang="en-US" altLang="ko-KR" sz="900">
                         <a:solidFill>
                           <a:schemeClr val="tx1"/>
@@ -12837,16 +11460,6 @@
                         <a:buNone/>
                         <a:defRPr/>
                       </a:pPr>
-                      <a:r>
-                        <a:rPr lang="ko-KR" altLang="en-US" sz="900" b="0" baseline="0">
-                          <a:solidFill>
-                            <a:schemeClr val="tx1"/>
-                          </a:solidFill>
-                          <a:latin typeface="+mn-ea"/>
-                          <a:ea typeface="+mn-ea"/>
-                        </a:rPr>
-                        <a:t>전체 페이지</a:t>
-                      </a:r>
                       <a:endParaRPr lang="ko-KR" altLang="en-US" sz="900" b="0" baseline="0">
                         <a:solidFill>
                           <a:schemeClr val="tx1"/>
@@ -12929,36 +11542,6 @@
                         <a:buNone/>
                         <a:defRPr/>
                       </a:pPr>
-                      <a:r>
-                        <a:rPr lang="ko-KR" altLang="en-US" sz="900" b="0" baseline="0">
-                          <a:solidFill>
-                            <a:schemeClr val="tx1"/>
-                          </a:solidFill>
-                          <a:latin typeface="+mn-ea"/>
-                          <a:ea typeface="+mn-ea"/>
-                        </a:rPr>
-                        <a:t>메뉴 구조</a:t>
-                      </a:r>
-                      <a:r>
-                        <a:rPr lang="en-US" altLang="ko-KR" sz="900" b="0" baseline="0">
-                          <a:solidFill>
-                            <a:schemeClr val="tx1"/>
-                          </a:solidFill>
-                          <a:latin typeface="+mn-ea"/>
-                          <a:ea typeface="+mn-ea"/>
-                        </a:rPr>
-                        <a:t>,</a:t>
-                      </a:r>
-                      <a:r>
-                        <a:rPr lang="ko-KR" altLang="en-US" sz="900" b="0" baseline="0">
-                          <a:solidFill>
-                            <a:schemeClr val="tx1"/>
-                          </a:solidFill>
-                          <a:latin typeface="+mn-ea"/>
-                          <a:ea typeface="+mn-ea"/>
-                        </a:rPr>
-                        <a:t> 화면 목록 수정</a:t>
-                      </a:r>
                       <a:endParaRPr lang="ko-KR" altLang="en-US" sz="900" b="0" baseline="0">
                         <a:solidFill>
                           <a:schemeClr val="tx1"/>
@@ -13041,17 +11624,6 @@
                         <a:buNone/>
                         <a:defRPr/>
                       </a:pPr>
-                      <a:r>
-                        <a:rPr kumimoji="1" lang="ko-KR" altLang="en-US" sz="900" b="0" i="0" u="none" strike="noStrike" cap="none" normalizeH="0" baseline="0">
-                          <a:solidFill>
-                            <a:schemeClr val="tx1"/>
-                          </a:solidFill>
-                          <a:effectLst/>
-                          <a:latin typeface="+mn-ea"/>
-                          <a:ea typeface="+mn-ea"/>
-                        </a:rPr>
-                        <a:t>유요한</a:t>
-                      </a:r>
                       <a:endParaRPr kumimoji="1" lang="ko-KR" altLang="en-US" sz="900" b="0" i="0" u="none" strike="noStrike" cap="none" normalizeH="0" baseline="0">
                         <a:solidFill>
                           <a:schemeClr val="tx1"/>
@@ -13120,16 +11692,6 @@
                       <a:pPr algn="ctr">
                         <a:defRPr/>
                       </a:pPr>
-                      <a:r>
-                        <a:rPr lang="en-US" altLang="ko-KR" sz="900">
-                          <a:solidFill>
-                            <a:schemeClr val="tx1"/>
-                          </a:solidFill>
-                          <a:latin typeface="+mn-ea"/>
-                          <a:ea typeface="+mn-ea"/>
-                        </a:rPr>
-                        <a:t>1.1.2</a:t>
-                      </a:r>
                       <a:endParaRPr lang="en-US" altLang="ko-KR" sz="900">
                         <a:solidFill>
                           <a:schemeClr val="tx1"/>
@@ -13207,16 +11769,6 @@
                         <a:buNone/>
                         <a:defRPr/>
                       </a:pPr>
-                      <a:r>
-                        <a:rPr lang="en-US" altLang="ko-KR" sz="900">
-                          <a:solidFill>
-                            <a:schemeClr val="tx1"/>
-                          </a:solidFill>
-                          <a:latin typeface="+mn-ea"/>
-                          <a:ea typeface="+mn-ea"/>
-                        </a:rPr>
-                        <a:t>22.07.29</a:t>
-                      </a:r>
                       <a:endParaRPr lang="en-US" altLang="ko-KR" sz="900">
                         <a:solidFill>
                           <a:schemeClr val="tx1"/>
@@ -13299,16 +11851,6 @@
                         <a:buNone/>
                         <a:defRPr/>
                       </a:pPr>
-                      <a:r>
-                        <a:rPr lang="ko-KR" altLang="en-US" sz="900" b="0" baseline="0">
-                          <a:solidFill>
-                            <a:schemeClr val="tx1"/>
-                          </a:solidFill>
-                          <a:latin typeface="+mn-ea"/>
-                          <a:ea typeface="+mn-ea"/>
-                        </a:rPr>
-                        <a:t>화면 구성 페이지</a:t>
-                      </a:r>
                       <a:endParaRPr lang="ko-KR" altLang="en-US" sz="900" b="0" baseline="0">
                         <a:solidFill>
                           <a:schemeClr val="tx1"/>
@@ -13391,16 +11933,6 @@
                         <a:buNone/>
                         <a:defRPr/>
                       </a:pPr>
-                      <a:r>
-                        <a:rPr lang="ko-KR" altLang="en-US" sz="900" b="0" baseline="0">
-                          <a:solidFill>
-                            <a:schemeClr val="tx1"/>
-                          </a:solidFill>
-                          <a:latin typeface="+mn-ea"/>
-                          <a:ea typeface="+mn-ea"/>
-                        </a:rPr>
-                        <a:t>화면 구성 페이지 추가</a:t>
-                      </a:r>
                       <a:endParaRPr lang="ko-KR" altLang="en-US" sz="900" b="0" baseline="0">
                         <a:solidFill>
                           <a:schemeClr val="tx1"/>
@@ -13483,17 +12015,6 @@
                         <a:buNone/>
                         <a:defRPr/>
                       </a:pPr>
-                      <a:r>
-                        <a:rPr kumimoji="1" lang="ko-KR" altLang="en-US" sz="900" b="0" i="0" u="none" strike="noStrike" cap="none" normalizeH="0" baseline="0">
-                          <a:solidFill>
-                            <a:schemeClr val="tx1"/>
-                          </a:solidFill>
-                          <a:effectLst/>
-                          <a:latin typeface="+mn-ea"/>
-                          <a:ea typeface="+mn-ea"/>
-                        </a:rPr>
-                        <a:t>유요한</a:t>
-                      </a:r>
                       <a:endParaRPr kumimoji="1" lang="ko-KR" altLang="en-US" sz="900" b="0" i="0" u="none" strike="noStrike" cap="none" normalizeH="0" baseline="0">
                         <a:solidFill>
                           <a:schemeClr val="tx1"/>
@@ -18679,7 +17200,7 @@
 </file>
 
 <file path=ppt/slides/slide8.xml><?xml version="1.0" encoding="utf-8"?>
-<p:sld xmlns:a="http://schemas.openxmlformats.org/drawingml/2006/main" xmlns:r="http://schemas.openxmlformats.org/officeDocument/2006/relationships" xmlns:p="http://schemas.openxmlformats.org/presentationml/2006/main">
+<p:sld xmlns:r="http://schemas.openxmlformats.org/officeDocument/2006/relationships" xmlns:c="http://schemas.openxmlformats.org/drawingml/2006/chart" xmlns:a="http://schemas.openxmlformats.org/drawingml/2006/main" xmlns:dgm="http://schemas.openxmlformats.org/drawingml/2006/diagram" xmlns:dsp="http://schemas.microsoft.com/office/drawing/2008/diagram" xmlns:p="http://schemas.openxmlformats.org/presentationml/2006/main">
   <p:cSld>
     <p:spTree>
       <p:nvGrpSpPr>
@@ -18702,7 +17223,7 @@
             <a:spLocks noGrp="1"/>
           </p:cNvSpPr>
           <p:nvPr>
-            <p:ph type="title"/>
+            <p:ph type="title" idx="0"/>
           </p:nvPr>
         </p:nvSpPr>
         <p:spPr>
@@ -18722,6 +17243,7 @@
               <a:rPr lang="ko-KR" altLang="en-US"/>
               <a:t>화면 목록</a:t>
             </a:r>
+            <a:endParaRPr lang="ko-KR" altLang="en-US"/>
           </a:p>
         </p:txBody>
       </p:sp>
@@ -18754,6 +17276,11 @@
               </a:rPr>
               <a:t>3</a:t>
             </a:r>
+            <a:endParaRPr lang="en-US" altLang="ko-KR">
+              <a:solidFill>
+                <a:schemeClr val="dk1"/>
+              </a:solidFill>
+            </a:endParaRPr>
           </a:p>
         </p:txBody>
       </p:sp>
@@ -18784,6 +17311,7 @@
               <a:rPr lang="en-US" altLang="ko-KR"/>
               <a:t>8</a:t>
             </a:r>
+            <a:endParaRPr lang="en-US" altLang="ko-KR"/>
           </a:p>
         </p:txBody>
       </p:sp>
@@ -18793,13 +17321,7 @@
           <p:cNvGraphicFramePr>
             <a:graphicFrameLocks noGrp="1"/>
           </p:cNvGraphicFramePr>
-          <p:nvPr>
-            <p:extLst>
-              <p:ext uri="{D42A27DB-BD31-4B8C-83A1-F6EECF244321}">
-                <p14:modId xmlns:p14="http://schemas.microsoft.com/office/powerpoint/2010/main" val="3127824478"/>
-              </p:ext>
-            </p:extLst>
-          </p:nvPr>
+          <p:nvPr/>
         </p:nvGraphicFramePr>
         <p:xfrm>
           <a:off x="255001" y="378074"/>
@@ -18812,60 +17334,35 @@
                 <a:tableStyleId>{616DA210-FB5B-4158-B5E0-FEB733F419BA}</a:tableStyleId>
               </a:tblPr>
               <a:tblGrid>
-                <a:gridCol w="1142691">
-                  <a:extLst>
-                    <a:ext uri="{9D8B030D-6E8A-4147-A177-3AD203B41FA5}">
-                      <a16:colId xmlns:a16="http://schemas.microsoft.com/office/drawing/2014/main" val="20000"/>
-                    </a:ext>
-                  </a:extLst>
-                </a:gridCol>
-                <a:gridCol w="789879">
-                  <a:extLst>
-                    <a:ext uri="{9D8B030D-6E8A-4147-A177-3AD203B41FA5}">
-                      <a16:colId xmlns:a16="http://schemas.microsoft.com/office/drawing/2014/main" val="20001"/>
-                    </a:ext>
-                  </a:extLst>
-                </a:gridCol>
-                <a:gridCol w="2447616">
-                  <a:extLst>
-                    <a:ext uri="{9D8B030D-6E8A-4147-A177-3AD203B41FA5}">
-                      <a16:colId xmlns:a16="http://schemas.microsoft.com/office/drawing/2014/main" val="20002"/>
-                    </a:ext>
-                  </a:extLst>
-                </a:gridCol>
-                <a:gridCol w="4176522">
-                  <a:extLst>
-                    <a:ext uri="{9D8B030D-6E8A-4147-A177-3AD203B41FA5}">
-                      <a16:colId xmlns:a16="http://schemas.microsoft.com/office/drawing/2014/main" val="20003"/>
-                    </a:ext>
-                  </a:extLst>
-                </a:gridCol>
+                <a:gridCol w="1142691"/>
+                <a:gridCol w="789879"/>
+                <a:gridCol w="2447616"/>
+                <a:gridCol w="4176522"/>
               </a:tblGrid>
               <a:tr h="277353">
                 <a:tc>
                   <a:txBody>
-                    <a:bodyPr/>
-                    <a:lstStyle/>
+                    <a:bodyPr vert="horz" lIns="91440" tIns="45720" rIns="91440" bIns="45720" anchor="ctr" anchorCtr="0"/>
                     <a:p>
                       <a:pPr algn="ctr">
                         <a:defRPr/>
                       </a:pPr>
                       <a:r>
-                        <a:rPr lang="en-US" altLang="ko-KR" sz="1100" dirty="0"/>
+                        <a:rPr lang="en-US" altLang="ko-KR" sz="1100"/>
                         <a:t>navigation</a:t>
                       </a:r>
+                      <a:endParaRPr lang="en-US" altLang="ko-KR" sz="1100"/>
                     </a:p>
                   </a:txBody>
-                  <a:tcPr anchor="ctr">
+                  <a:tcPr marL="91440" marR="91440" anchor="ctr">
                     <a:solidFill>
-                      <a:srgbClr val="E2F1FD"/>
+                      <a:srgbClr val="e2f1fd"/>
                     </a:solidFill>
                   </a:tcPr>
                 </a:tc>
                 <a:tc>
                   <a:txBody>
-                    <a:bodyPr/>
-                    <a:lstStyle/>
+                    <a:bodyPr vert="horz" lIns="91440" tIns="45720" rIns="91440" bIns="45720" anchor="ctr" anchorCtr="0"/>
                     <a:p>
                       <a:pPr algn="ctr">
                         <a:defRPr/>
@@ -18874,18 +17371,18 @@
                         <a:rPr lang="en-US" altLang="ko-KR" sz="1100"/>
                         <a:t>ScreenID</a:t>
                       </a:r>
+                      <a:endParaRPr lang="en-US" altLang="ko-KR" sz="1100"/>
                     </a:p>
                   </a:txBody>
-                  <a:tcPr anchor="ctr">
+                  <a:tcPr marL="91440" marR="91440" anchor="ctr">
                     <a:solidFill>
-                      <a:srgbClr val="E2F1FD"/>
+                      <a:srgbClr val="e2f1fd"/>
                     </a:solidFill>
                   </a:tcPr>
                 </a:tc>
                 <a:tc>
                   <a:txBody>
-                    <a:bodyPr/>
-                    <a:lstStyle/>
+                    <a:bodyPr vert="horz" lIns="91440" tIns="45720" rIns="91440" bIns="45720" anchor="ctr" anchorCtr="0"/>
                     <a:p>
                       <a:pPr algn="ctr">
                         <a:defRPr/>
@@ -18894,18 +17391,18 @@
                         <a:rPr lang="en-US" altLang="ko-KR" sz="1100"/>
                         <a:t>Page Title</a:t>
                       </a:r>
+                      <a:endParaRPr lang="en-US" altLang="ko-KR" sz="1100"/>
                     </a:p>
                   </a:txBody>
-                  <a:tcPr anchor="ctr">
+                  <a:tcPr marL="91440" marR="91440" anchor="ctr">
                     <a:solidFill>
-                      <a:srgbClr val="E2F1FD"/>
+                      <a:srgbClr val="e2f1fd"/>
                     </a:solidFill>
                   </a:tcPr>
                 </a:tc>
                 <a:tc>
                   <a:txBody>
-                    <a:bodyPr/>
-                    <a:lstStyle/>
+                    <a:bodyPr vert="horz" lIns="91440" tIns="45720" rIns="91440" bIns="45720" anchor="ctr" anchorCtr="0"/>
                     <a:p>
                       <a:pPr algn="ctr">
                         <a:defRPr/>
@@ -18914,39 +17411,31 @@
                         <a:rPr lang="en-US" altLang="ko-KR" sz="1100"/>
                         <a:t>Description</a:t>
                       </a:r>
+                      <a:endParaRPr lang="en-US" altLang="ko-KR" sz="1100"/>
                     </a:p>
                   </a:txBody>
-                  <a:tcPr anchor="ctr">
+                  <a:tcPr marL="91440" marR="91440" anchor="ctr">
                     <a:solidFill>
-                      <a:srgbClr val="E2F1FD"/>
+                      <a:srgbClr val="e2f1fd"/>
                     </a:solidFill>
                   </a:tcPr>
                 </a:tc>
-                <a:extLst>
-                  <a:ext uri="{0D108BD9-81ED-4DB2-BD59-A6C34878D82A}">
-                    <a16:rowId xmlns:a16="http://schemas.microsoft.com/office/drawing/2014/main" val="10000"/>
-                  </a:ext>
-                </a:extLst>
               </a:tr>
               <a:tr h="288799">
                 <a:tc>
                   <a:txBody>
-                    <a:bodyPr/>
-                    <a:lstStyle/>
+                    <a:bodyPr vert="horz" lIns="90333" tIns="32640" rIns="90333" bIns="32640" anchor="ctr" anchorCtr="0"/>
                     <a:p>
                       <a:pPr algn="ctr">
                         <a:defRPr/>
                       </a:pPr>
-                      <a:r>
-                        <a:rPr lang="ko-KR" altLang="en-US" sz="900">
-                          <a:solidFill>
-                            <a:schemeClr val="tx1"/>
-                          </a:solidFill>
-                          <a:latin typeface="+mn-ea"/>
-                          <a:ea typeface="+mn-ea"/>
-                        </a:rPr>
-                        <a:t>메인화면</a:t>
-                      </a:r>
+                      <a:endParaRPr lang="ko-KR" altLang="en-US" sz="900">
+                        <a:solidFill>
+                          <a:schemeClr val="tx1"/>
+                        </a:solidFill>
+                        <a:latin typeface="+mn-ea"/>
+                        <a:ea typeface="+mn-ea"/>
+                      </a:endParaRPr>
                     </a:p>
                   </a:txBody>
                   <a:tcPr marL="90333" marR="90333" marT="32641" marB="32641" anchor="ctr" horzOverflow="overflow">
@@ -18990,8 +17479,7 @@
                 </a:tc>
                 <a:tc>
                   <a:txBody>
-                    <a:bodyPr/>
-                    <a:lstStyle/>
+                    <a:bodyPr vert="horz" lIns="90333" tIns="32640" rIns="90333" bIns="32640" anchor="ctr" anchorCtr="0"/>
                     <a:p>
                       <a:pPr marL="0" marR="0" indent="0" algn="ctr" defTabSz="914400" rtl="0" eaLnBrk="1" latinLnBrk="1" hangingPunct="1">
                         <a:lnSpc>
@@ -19008,16 +17496,13 @@
                         <a:buNone/>
                         <a:defRPr/>
                       </a:pPr>
-                      <a:r>
-                        <a:rPr lang="en-US" altLang="ko-KR" sz="900" b="1" baseline="0">
-                          <a:solidFill>
-                            <a:schemeClr val="tx1"/>
-                          </a:solidFill>
-                          <a:latin typeface="+mn-ea"/>
-                          <a:ea typeface="+mn-ea"/>
-                        </a:rPr>
-                        <a:t>4.3.1</a:t>
-                      </a:r>
+                      <a:endParaRPr lang="en-US" altLang="ko-KR" sz="900" b="1" baseline="0">
+                        <a:solidFill>
+                          <a:schemeClr val="tx1"/>
+                        </a:solidFill>
+                        <a:latin typeface="+mn-ea"/>
+                        <a:ea typeface="+mn-ea"/>
+                      </a:endParaRPr>
                     </a:p>
                   </a:txBody>
                   <a:tcPr marL="90333" marR="90333" marT="32641" marB="32641" anchor="ctr" horzOverflow="overflow">
@@ -19066,8 +17551,7 @@
                 </a:tc>
                 <a:tc>
                   <a:txBody>
-                    <a:bodyPr/>
-                    <a:lstStyle/>
+                    <a:bodyPr vert="horz" lIns="90333" tIns="32640" rIns="90333" bIns="32640" anchor="ctr" anchorCtr="0"/>
                     <a:p>
                       <a:pPr marL="0" marR="0" indent="0" algn="ctr" defTabSz="914400" rtl="0" eaLnBrk="1" latinLnBrk="1" hangingPunct="1">
                         <a:lnSpc>
@@ -19084,16 +17568,13 @@
                         <a:buNone/>
                         <a:defRPr/>
                       </a:pPr>
-                      <a:r>
-                        <a:rPr lang="en-US" altLang="ko-KR" sz="900" baseline="0" dirty="0">
-                          <a:solidFill>
-                            <a:schemeClr val="tx1"/>
-                          </a:solidFill>
-                          <a:latin typeface="+mn-ea"/>
-                          <a:ea typeface="+mn-ea"/>
-                        </a:rPr>
-                        <a:t>HOME</a:t>
-                      </a:r>
+                      <a:endParaRPr lang="en-US" altLang="ko-KR" sz="900" baseline="0">
+                        <a:solidFill>
+                          <a:schemeClr val="tx1"/>
+                        </a:solidFill>
+                        <a:latin typeface="+mn-ea"/>
+                        <a:ea typeface="+mn-ea"/>
+                      </a:endParaRPr>
                     </a:p>
                   </a:txBody>
                   <a:tcPr marL="90333" marR="90333" marT="32641" marB="32641" anchor="ctr" horzOverflow="overflow">
@@ -19142,8 +17623,7 @@
                 </a:tc>
                 <a:tc>
                   <a:txBody>
-                    <a:bodyPr/>
-                    <a:lstStyle/>
+                    <a:bodyPr vert="horz" lIns="90333" tIns="32640" rIns="90333" bIns="32640" anchor="ctr" anchorCtr="0"/>
                     <a:p>
                       <a:pPr marL="0" marR="0" indent="0" algn="l" defTabSz="914400" rtl="0" eaLnBrk="1" latinLnBrk="1" hangingPunct="1">
                         <a:lnSpc>
@@ -19160,16 +17640,13 @@
                         <a:buNone/>
                         <a:defRPr/>
                       </a:pPr>
-                      <a:r>
-                        <a:rPr lang="ko-KR" altLang="en-US" sz="900" baseline="0">
-                          <a:solidFill>
-                            <a:schemeClr val="tx1"/>
-                          </a:solidFill>
-                          <a:latin typeface="+mn-ea"/>
-                          <a:ea typeface="+mn-ea"/>
-                        </a:rPr>
-                        <a:t>페이지 실행 시 보여주는 첫 화면</a:t>
-                      </a:r>
+                      <a:endParaRPr lang="ko-KR" altLang="en-US" sz="900" baseline="0">
+                        <a:solidFill>
+                          <a:schemeClr val="tx1"/>
+                        </a:solidFill>
+                        <a:latin typeface="+mn-ea"/>
+                        <a:ea typeface="+mn-ea"/>
+                      </a:endParaRPr>
                     </a:p>
                   </a:txBody>
                   <a:tcPr marL="90333" marR="90333" marT="32641" marB="32641" anchor="ctr" horzOverflow="overflow">
@@ -19211,31 +17688,22 @@
                     </a:solidFill>
                   </a:tcPr>
                 </a:tc>
-                <a:extLst>
-                  <a:ext uri="{0D108BD9-81ED-4DB2-BD59-A6C34878D82A}">
-                    <a16:rowId xmlns:a16="http://schemas.microsoft.com/office/drawing/2014/main" val="10001"/>
-                  </a:ext>
-                </a:extLst>
               </a:tr>
               <a:tr h="341507">
                 <a:tc>
                   <a:txBody>
-                    <a:bodyPr/>
-                    <a:lstStyle/>
+                    <a:bodyPr vert="horz" lIns="90333" tIns="32640" rIns="90333" bIns="32640" anchor="ctr" anchorCtr="0"/>
                     <a:p>
                       <a:pPr algn="ctr">
                         <a:defRPr/>
                       </a:pPr>
-                      <a:r>
-                        <a:rPr lang="ko-KR" altLang="en-US" sz="900">
-                          <a:solidFill>
-                            <a:schemeClr val="tx1"/>
-                          </a:solidFill>
-                          <a:latin typeface="+mn-ea"/>
-                          <a:ea typeface="+mn-ea"/>
-                        </a:rPr>
-                        <a:t>로그인</a:t>
-                      </a:r>
+                      <a:endParaRPr lang="ko-KR" altLang="en-US" sz="900">
+                        <a:solidFill>
+                          <a:schemeClr val="tx1"/>
+                        </a:solidFill>
+                        <a:latin typeface="+mn-ea"/>
+                        <a:ea typeface="+mn-ea"/>
+                      </a:endParaRPr>
                     </a:p>
                   </a:txBody>
                   <a:tcPr marL="90333" marR="90333" marT="32641" marB="32641" anchor="ctr" horzOverflow="overflow">
@@ -19289,8 +17757,7 @@
                 </a:tc>
                 <a:tc>
                   <a:txBody>
-                    <a:bodyPr/>
-                    <a:lstStyle/>
+                    <a:bodyPr vert="horz" lIns="90333" tIns="32640" rIns="90333" bIns="32640" anchor="ctr" anchorCtr="0"/>
                     <a:p>
                       <a:pPr marL="0" marR="0" indent="0" algn="ctr" defTabSz="914400" rtl="0" eaLnBrk="1" latinLnBrk="1" hangingPunct="1">
                         <a:lnSpc>
@@ -19307,16 +17774,13 @@
                         <a:buNone/>
                         <a:defRPr/>
                       </a:pPr>
-                      <a:r>
-                        <a:rPr kumimoji="0" lang="en-US" altLang="ko-KR" sz="900" b="1" i="0" u="none" strike="noStrike" kern="1200" cap="none" spc="0" normalizeH="0" baseline="0">
-                          <a:solidFill>
-                            <a:srgbClr val="000000"/>
-                          </a:solidFill>
-                          <a:latin typeface="맑은 고딕"/>
-                          <a:ea typeface="맑은 고딕"/>
-                        </a:rPr>
-                        <a:t>4.3.2</a:t>
-                      </a:r>
+                      <a:endParaRPr kumimoji="0" lang="en-US" altLang="ko-KR" sz="900" b="1" i="0" u="none" strike="noStrike" kern="1200" cap="none" spc="0" normalizeH="0" baseline="0">
+                        <a:solidFill>
+                          <a:srgbClr val="000000"/>
+                        </a:solidFill>
+                        <a:latin typeface="맑은 고딕"/>
+                        <a:ea typeface="맑은 고딕"/>
+                      </a:endParaRPr>
                     </a:p>
                   </a:txBody>
                   <a:tcPr marL="90333" marR="90333" marT="32641" marB="32641" anchor="ctr" horzOverflow="overflow">
@@ -19375,8 +17839,7 @@
                 </a:tc>
                 <a:tc>
                   <a:txBody>
-                    <a:bodyPr/>
-                    <a:lstStyle/>
+                    <a:bodyPr vert="horz" lIns="90333" tIns="32640" rIns="90333" bIns="32640" anchor="ctr" anchorCtr="0"/>
                     <a:p>
                       <a:pPr marL="0" marR="0" indent="0" algn="ctr" defTabSz="914400" rtl="0" eaLnBrk="1" latinLnBrk="1" hangingPunct="1">
                         <a:lnSpc>
@@ -19393,16 +17856,13 @@
                         <a:buNone/>
                         <a:defRPr/>
                       </a:pPr>
-                      <a:r>
-                        <a:rPr lang="en-US" altLang="ko-KR" sz="900" b="0" baseline="0" dirty="0">
-                          <a:solidFill>
-                            <a:schemeClr val="tx1"/>
-                          </a:solidFill>
-                          <a:latin typeface="+mn-ea"/>
-                          <a:ea typeface="+mn-ea"/>
-                        </a:rPr>
-                        <a:t>LOGIN</a:t>
-                      </a:r>
+                      <a:endParaRPr lang="en-US" altLang="ko-KR" sz="900" b="0" baseline="0">
+                        <a:solidFill>
+                          <a:schemeClr val="tx1"/>
+                        </a:solidFill>
+                        <a:latin typeface="+mn-ea"/>
+                        <a:ea typeface="+mn-ea"/>
+                      </a:endParaRPr>
                     </a:p>
                   </a:txBody>
                   <a:tcPr marL="90333" marR="90333" marT="32641" marB="32641" anchor="ctr" horzOverflow="overflow">
@@ -19461,8 +17921,7 @@
                 </a:tc>
                 <a:tc>
                   <a:txBody>
-                    <a:bodyPr/>
-                    <a:lstStyle/>
+                    <a:bodyPr vert="horz" lIns="90333" tIns="32640" rIns="90333" bIns="32640" anchor="ctr" anchorCtr="0"/>
                     <a:p>
                       <a:pPr marL="0" marR="0" indent="0" algn="l" defTabSz="914400" rtl="0" eaLnBrk="1" latinLnBrk="1" hangingPunct="1">
                         <a:lnSpc>
@@ -19479,67 +17938,7 @@
                         <a:buNone/>
                         <a:defRPr/>
                       </a:pPr>
-                      <a:r>
-                        <a:rPr lang="ko-KR" altLang="en-US" sz="900" b="0" baseline="0" dirty="0">
-                          <a:solidFill>
-                            <a:schemeClr val="tx1"/>
-                          </a:solidFill>
-                          <a:latin typeface="+mn-ea"/>
-                          <a:ea typeface="+mn-ea"/>
-                        </a:rPr>
-                        <a:t>로그인 창 </a:t>
-                      </a:r>
-                      <a:r>
-                        <a:rPr lang="en-US" altLang="ko-KR" sz="900" b="0" baseline="0" dirty="0">
-                          <a:solidFill>
-                            <a:schemeClr val="tx1"/>
-                          </a:solidFill>
-                          <a:latin typeface="+mn-ea"/>
-                          <a:ea typeface="+mn-ea"/>
-                        </a:rPr>
-                        <a:t>(</a:t>
-                      </a:r>
-                      <a:r>
-                        <a:rPr lang="ko-KR" altLang="en-US" sz="900" b="0" baseline="0" dirty="0">
-                          <a:solidFill>
-                            <a:schemeClr val="tx1"/>
-                          </a:solidFill>
-                          <a:latin typeface="+mn-ea"/>
-                          <a:ea typeface="+mn-ea"/>
-                        </a:rPr>
-                        <a:t>아이디</a:t>
-                      </a:r>
-                      <a:r>
-                        <a:rPr lang="en-US" altLang="ko-KR" sz="900" b="0" baseline="0" dirty="0">
-                          <a:solidFill>
-                            <a:schemeClr val="tx1"/>
-                          </a:solidFill>
-                          <a:latin typeface="+mn-ea"/>
-                          <a:ea typeface="+mn-ea"/>
-                        </a:rPr>
-                        <a:t>, </a:t>
-                      </a:r>
-                      <a:r>
-                        <a:rPr lang="ko-KR" altLang="en-US" sz="900" b="0" baseline="0" dirty="0">
-                          <a:solidFill>
-                            <a:schemeClr val="tx1"/>
-                          </a:solidFill>
-                          <a:latin typeface="+mn-ea"/>
-                          <a:ea typeface="+mn-ea"/>
-                        </a:rPr>
-                        <a:t>비밀번호 입력</a:t>
-                      </a:r>
-                      <a:r>
-                        <a:rPr lang="en-US" altLang="ko-KR" sz="900" b="0" baseline="0" dirty="0">
-                          <a:solidFill>
-                            <a:schemeClr val="tx1"/>
-                          </a:solidFill>
-                          <a:latin typeface="+mn-ea"/>
-                          <a:ea typeface="+mn-ea"/>
-                        </a:rPr>
-                        <a:t>)</a:t>
-                      </a:r>
-                      <a:endParaRPr lang="ko-KR" altLang="en-US" sz="900" b="0" baseline="0" dirty="0">
+                      <a:endParaRPr lang="ko-KR" altLang="en-US" sz="900" b="0" baseline="0">
                         <a:solidFill>
                           <a:schemeClr val="tx1"/>
                         </a:solidFill>
@@ -19597,31 +17996,22 @@
                     </a:solidFill>
                   </a:tcPr>
                 </a:tc>
-                <a:extLst>
-                  <a:ext uri="{0D108BD9-81ED-4DB2-BD59-A6C34878D82A}">
-                    <a16:rowId xmlns:a16="http://schemas.microsoft.com/office/drawing/2014/main" val="10002"/>
-                  </a:ext>
-                </a:extLst>
               </a:tr>
               <a:tr h="288799">
                 <a:tc>
                   <a:txBody>
-                    <a:bodyPr/>
-                    <a:lstStyle/>
+                    <a:bodyPr vert="horz" lIns="90333" tIns="32640" rIns="90333" bIns="32640" anchor="ctr" anchorCtr="0"/>
                     <a:p>
                       <a:pPr algn="ctr">
                         <a:defRPr/>
                       </a:pPr>
-                      <a:r>
-                        <a:rPr lang="ko-KR" altLang="en-US" sz="900" dirty="0">
-                          <a:solidFill>
-                            <a:schemeClr val="tx1"/>
-                          </a:solidFill>
-                          <a:latin typeface="+mn-ea"/>
-                          <a:ea typeface="+mn-ea"/>
-                        </a:rPr>
-                        <a:t>회원가입</a:t>
-                      </a:r>
+                      <a:endParaRPr lang="ko-KR" altLang="en-US" sz="900">
+                        <a:solidFill>
+                          <a:schemeClr val="tx1"/>
+                        </a:solidFill>
+                        <a:latin typeface="+mn-ea"/>
+                        <a:ea typeface="+mn-ea"/>
+                      </a:endParaRPr>
                     </a:p>
                   </a:txBody>
                   <a:tcPr marL="90333" marR="90333" marT="32641" marB="32641" anchor="ctr" horzOverflow="overflow">
@@ -19675,8 +18065,7 @@
                 </a:tc>
                 <a:tc>
                   <a:txBody>
-                    <a:bodyPr/>
-                    <a:lstStyle/>
+                    <a:bodyPr vert="horz" lIns="90333" tIns="32640" rIns="90333" bIns="32640" anchor="ctr" anchorCtr="0"/>
                     <a:p>
                       <a:pPr marL="0" marR="0" indent="0" algn="ctr" defTabSz="914400" rtl="0" eaLnBrk="1" latinLnBrk="1" hangingPunct="1">
                         <a:lnSpc>
@@ -19693,16 +18082,13 @@
                         <a:buNone/>
                         <a:defRPr/>
                       </a:pPr>
-                      <a:r>
-                        <a:rPr kumimoji="0" lang="en-US" altLang="ko-KR" sz="900" b="1" i="0" u="none" strike="noStrike" kern="1200" cap="none" spc="0" normalizeH="0" baseline="0" dirty="0">
-                          <a:solidFill>
-                            <a:srgbClr val="000000"/>
-                          </a:solidFill>
-                          <a:latin typeface="맑은 고딕"/>
-                          <a:ea typeface="맑은 고딕"/>
-                        </a:rPr>
-                        <a:t>4.3.3</a:t>
-                      </a:r>
+                      <a:endParaRPr kumimoji="0" lang="en-US" altLang="ko-KR" sz="900" b="1" i="0" u="none" strike="noStrike" kern="1200" cap="none" spc="0" normalizeH="0" baseline="0">
+                        <a:solidFill>
+                          <a:srgbClr val="000000"/>
+                        </a:solidFill>
+                        <a:latin typeface="맑은 고딕"/>
+                        <a:ea typeface="맑은 고딕"/>
+                      </a:endParaRPr>
                     </a:p>
                   </a:txBody>
                   <a:tcPr marL="90333" marR="90333" marT="32641" marB="32641" anchor="ctr" horzOverflow="overflow">
@@ -19761,8 +18147,7 @@
                 </a:tc>
                 <a:tc>
                   <a:txBody>
-                    <a:bodyPr/>
-                    <a:lstStyle/>
+                    <a:bodyPr vert="horz" lIns="90333" tIns="32640" rIns="90333" bIns="32640" anchor="ctr" anchorCtr="0"/>
                     <a:p>
                       <a:pPr marL="0" marR="0" indent="0" algn="ctr" defTabSz="914400" rtl="0" eaLnBrk="1" latinLnBrk="1" hangingPunct="1">
                         <a:lnSpc>
@@ -19779,16 +18164,13 @@
                         <a:buNone/>
                         <a:defRPr/>
                       </a:pPr>
-                      <a:r>
-                        <a:rPr lang="en-US" altLang="ko-KR" sz="900" b="0" baseline="0" dirty="0">
-                          <a:solidFill>
-                            <a:schemeClr val="tx1"/>
-                          </a:solidFill>
-                          <a:latin typeface="+mn-ea"/>
-                          <a:ea typeface="+mn-ea"/>
-                        </a:rPr>
-                        <a:t>JOIN</a:t>
-                      </a:r>
+                      <a:endParaRPr lang="en-US" altLang="ko-KR" sz="900" b="0" baseline="0">
+                        <a:solidFill>
+                          <a:schemeClr val="tx1"/>
+                        </a:solidFill>
+                        <a:latin typeface="+mn-ea"/>
+                        <a:ea typeface="+mn-ea"/>
+                      </a:endParaRPr>
                     </a:p>
                   </a:txBody>
                   <a:tcPr marL="90333" marR="90333" marT="32641" marB="32641" anchor="ctr" horzOverflow="overflow">
@@ -19847,8 +18229,7 @@
                 </a:tc>
                 <a:tc>
                   <a:txBody>
-                    <a:bodyPr/>
-                    <a:lstStyle/>
+                    <a:bodyPr vert="horz" lIns="90333" tIns="32640" rIns="90333" bIns="32640" anchor="ctr" anchorCtr="0"/>
                     <a:p>
                       <a:pPr marL="0" marR="0" indent="0" algn="l" defTabSz="914400" rtl="0" eaLnBrk="1" latinLnBrk="1" hangingPunct="1">
                         <a:lnSpc>
@@ -19865,47 +18246,7 @@
                         <a:buNone/>
                         <a:defRPr/>
                       </a:pPr>
-                      <a:r>
-                        <a:rPr lang="ko-KR" altLang="en-US" sz="900" b="0" baseline="0" dirty="0">
-                          <a:solidFill>
-                            <a:schemeClr val="tx1"/>
-                          </a:solidFill>
-                          <a:latin typeface="+mn-ea"/>
-                          <a:ea typeface="+mn-ea"/>
-                        </a:rPr>
-                        <a:t>회원가입 창 </a:t>
-                      </a:r>
-                      <a:r>
-                        <a:rPr lang="en-US" altLang="ko-KR" sz="900" b="0" baseline="0" dirty="0">
-                          <a:solidFill>
-                            <a:schemeClr val="tx1"/>
-                          </a:solidFill>
-                          <a:latin typeface="+mn-ea"/>
-                          <a:ea typeface="+mn-ea"/>
-                        </a:rPr>
-                        <a:t>(</a:t>
-                      </a:r>
-                      <a:r>
-                        <a:rPr lang="ko-KR" altLang="en-US" sz="900" b="0" baseline="0" dirty="0">
-                          <a:solidFill>
-                            <a:schemeClr val="tx1"/>
-                          </a:solidFill>
-                          <a:latin typeface="+mn-ea"/>
-                          <a:ea typeface="+mn-ea"/>
-                        </a:rPr>
-                        <a:t>인증번호 확인</a:t>
-                      </a:r>
-                      <a:r>
-                        <a:rPr lang="en-US" altLang="ko-KR" sz="900" b="0" baseline="0" dirty="0">
-                          <a:solidFill>
-                            <a:schemeClr val="tx1"/>
-                          </a:solidFill>
-                          <a:latin typeface="+mn-ea"/>
-                          <a:ea typeface="+mn-ea"/>
-                        </a:rPr>
-                        <a:t>)</a:t>
-                      </a:r>
-                      <a:endParaRPr lang="ko-KR" altLang="en-US" sz="900" b="0" baseline="0" dirty="0">
+                      <a:endParaRPr lang="ko-KR" altLang="en-US" sz="900" b="0" baseline="0">
                         <a:solidFill>
                           <a:schemeClr val="tx1"/>
                         </a:solidFill>
@@ -19963,11 +18304,6 @@
                     </a:solidFill>
                   </a:tcPr>
                 </a:tc>
-                <a:extLst>
-                  <a:ext uri="{0D108BD9-81ED-4DB2-BD59-A6C34878D82A}">
-                    <a16:rowId xmlns:a16="http://schemas.microsoft.com/office/drawing/2014/main" val="10003"/>
-                  </a:ext>
-                </a:extLst>
               </a:tr>
             </a:tbl>
           </a:graphicData>
@@ -19978,11 +18314,11 @@
   <p:clrMapOvr>
     <a:masterClrMapping/>
   </p:clrMapOvr>
-  <mc:AlternateContent xmlns:mc="http://schemas.openxmlformats.org/markup-compatibility/2006" xmlns:p14="http://schemas.microsoft.com/office/powerpoint/2010/main">
-    <mc:Choice Requires="p14">
-      <p:transition/>
+  <mc:AlternateContent xmlns:mc="http://schemas.openxmlformats.org/markup-compatibility/2006">
+    <mc:Choice xmlns:p14="http://schemas.microsoft.com/office/powerpoint/2010/main" Requires="p14">
+      <p:transition xmlns:mc="http://schemas.openxmlformats.org/markup-compatibility/2006" xmlns:p14="http://schemas.microsoft.com/office/powerpoint/2010/main" mc:Ignorable="p14" p14:dur="500"/>
     </mc:Choice>
-    <mc:Fallback xmlns:dsp="http://schemas.microsoft.com/office/drawing/2008/diagram" xmlns:dgm="http://schemas.openxmlformats.org/drawingml/2006/diagram" xmlns:c="http://schemas.openxmlformats.org/drawingml/2006/chart" xmlns="">
+    <mc:Fallback>
       <p:transition/>
     </mc:Fallback>
   </mc:AlternateContent>
